--- a/The True Meaning behind Decision Day.pptx
+++ b/The True Meaning behind Decision Day.pptx
@@ -12,17 +12,26 @@
     <p:sldId id="363" r:id="rId6"/>
     <p:sldId id="354" r:id="rId7"/>
     <p:sldId id="364" r:id="rId8"/>
-    <p:sldId id="361" r:id="rId9"/>
-    <p:sldId id="365" r:id="rId10"/>
-    <p:sldId id="366" r:id="rId11"/>
-    <p:sldId id="367" r:id="rId12"/>
-    <p:sldId id="368" r:id="rId13"/>
-    <p:sldId id="369" r:id="rId14"/>
-    <p:sldId id="370" r:id="rId15"/>
-    <p:sldId id="371" r:id="rId16"/>
-    <p:sldId id="355" r:id="rId17"/>
-    <p:sldId id="356" r:id="rId18"/>
-    <p:sldId id="360" r:id="rId19"/>
+    <p:sldId id="372" r:id="rId9"/>
+    <p:sldId id="361" r:id="rId10"/>
+    <p:sldId id="365" r:id="rId11"/>
+    <p:sldId id="366" r:id="rId12"/>
+    <p:sldId id="373" r:id="rId13"/>
+    <p:sldId id="374" r:id="rId14"/>
+    <p:sldId id="380" r:id="rId15"/>
+    <p:sldId id="379" r:id="rId16"/>
+    <p:sldId id="378" r:id="rId17"/>
+    <p:sldId id="381" r:id="rId18"/>
+    <p:sldId id="382" r:id="rId19"/>
+    <p:sldId id="383" r:id="rId20"/>
+    <p:sldId id="369" r:id="rId21"/>
+    <p:sldId id="370" r:id="rId22"/>
+    <p:sldId id="371" r:id="rId23"/>
+    <p:sldId id="355" r:id="rId24"/>
+    <p:sldId id="375" r:id="rId25"/>
+    <p:sldId id="376" r:id="rId26"/>
+    <p:sldId id="356" r:id="rId27"/>
+    <p:sldId id="360" r:id="rId28"/>
   </p:sldIdLst>
   <p:sldSz cx="9144000" cy="5715000" type="screen16x10"/>
   <p:notesSz cx="6858000" cy="9144000"/>
@@ -566,7 +575,7 @@
           <a:p>
             <a:fld id="{69C6A866-0A23-491F-85A5-D120BEBA0BC2}" type="datetimeFigureOut">
               <a:rPr lang="en-US" smtClean="0"/>
-              <a:t>6/9/2019</a:t>
+              <a:t>6/10/2019</a:t>
             </a:fld>
             <a:endParaRPr lang="en-US"/>
           </a:p>
@@ -744,7 +753,7 @@
           <a:p>
             <a:fld id="{69C6A866-0A23-491F-85A5-D120BEBA0BC2}" type="datetimeFigureOut">
               <a:rPr lang="en-US" smtClean="0"/>
-              <a:t>6/9/2019</a:t>
+              <a:t>6/10/2019</a:t>
             </a:fld>
             <a:endParaRPr lang="en-US"/>
           </a:p>
@@ -912,7 +921,7 @@
           <a:p>
             <a:fld id="{69C6A866-0A23-491F-85A5-D120BEBA0BC2}" type="datetimeFigureOut">
               <a:rPr lang="en-US" smtClean="0"/>
-              <a:t>6/9/2019</a:t>
+              <a:t>6/10/2019</a:t>
             </a:fld>
             <a:endParaRPr lang="en-US"/>
           </a:p>
@@ -1157,7 +1166,7 @@
           <a:p>
             <a:fld id="{69C6A866-0A23-491F-85A5-D120BEBA0BC2}" type="datetimeFigureOut">
               <a:rPr lang="en-US" smtClean="0"/>
-              <a:t>6/9/2019</a:t>
+              <a:t>6/10/2019</a:t>
             </a:fld>
             <a:endParaRPr lang="en-US"/>
           </a:p>
@@ -1442,7 +1451,7 @@
           <a:p>
             <a:fld id="{69C6A866-0A23-491F-85A5-D120BEBA0BC2}" type="datetimeFigureOut">
               <a:rPr lang="en-US" smtClean="0"/>
-              <a:t>6/9/2019</a:t>
+              <a:t>6/10/2019</a:t>
             </a:fld>
             <a:endParaRPr lang="en-US"/>
           </a:p>
@@ -1861,7 +1870,7 @@
           <a:p>
             <a:fld id="{69C6A866-0A23-491F-85A5-D120BEBA0BC2}" type="datetimeFigureOut">
               <a:rPr lang="en-US" smtClean="0"/>
-              <a:t>6/9/2019</a:t>
+              <a:t>6/10/2019</a:t>
             </a:fld>
             <a:endParaRPr lang="en-US"/>
           </a:p>
@@ -1978,7 +1987,7 @@
           <a:p>
             <a:fld id="{69C6A866-0A23-491F-85A5-D120BEBA0BC2}" type="datetimeFigureOut">
               <a:rPr lang="en-US" smtClean="0"/>
-              <a:t>6/9/2019</a:t>
+              <a:t>6/10/2019</a:t>
             </a:fld>
             <a:endParaRPr lang="en-US"/>
           </a:p>
@@ -2073,7 +2082,7 @@
           <a:p>
             <a:fld id="{69C6A866-0A23-491F-85A5-D120BEBA0BC2}" type="datetimeFigureOut">
               <a:rPr lang="en-US" smtClean="0"/>
-              <a:t>6/9/2019</a:t>
+              <a:t>6/10/2019</a:t>
             </a:fld>
             <a:endParaRPr lang="en-US"/>
           </a:p>
@@ -2348,7 +2357,7 @@
           <a:p>
             <a:fld id="{69C6A866-0A23-491F-85A5-D120BEBA0BC2}" type="datetimeFigureOut">
               <a:rPr lang="en-US" smtClean="0"/>
-              <a:t>6/9/2019</a:t>
+              <a:t>6/10/2019</a:t>
             </a:fld>
             <a:endParaRPr lang="en-US"/>
           </a:p>
@@ -2600,7 +2609,7 @@
           <a:p>
             <a:fld id="{69C6A866-0A23-491F-85A5-D120BEBA0BC2}" type="datetimeFigureOut">
               <a:rPr lang="en-US" smtClean="0"/>
-              <a:t>6/9/2019</a:t>
+              <a:t>6/10/2019</a:t>
             </a:fld>
             <a:endParaRPr lang="en-US"/>
           </a:p>
@@ -2925,7 +2934,7 @@
           <a:p>
             <a:fld id="{69C6A866-0A23-491F-85A5-D120BEBA0BC2}" type="datetimeFigureOut">
               <a:rPr lang="en-US" smtClean="0"/>
-              <a:t>6/9/2019</a:t>
+              <a:t>6/10/2019</a:t>
             </a:fld>
             <a:endParaRPr lang="en-US"/>
           </a:p>
@@ -3433,19 +3442,13 @@
             <a:br>
               <a:rPr lang="en-US" sz="2200" dirty="0"/>
             </a:br>
+            <a:r>
+              <a:rPr lang="en-US" sz="2200" dirty="0"/>
+              <a:t>Does it pay more to attend a Party School or an Ivy League school?</a:t>
+            </a:r>
             <a:br>
-              <a:rPr lang="en-US" sz="2200" dirty="0"/>
+              <a:rPr lang="en-US" dirty="0"/>
             </a:br>
-            <a:r>
-              <a:rPr lang="en-US" sz="2000" dirty="0"/>
-              <a:t>Does region matter in relation to starting median salary/mid-career median salary?</a:t>
-            </a:r>
-            <a:br>
-              <a:rPr lang="en-US" sz="2400" dirty="0"/>
-            </a:br>
-            <a:br>
-              <a:rPr lang="en-US" dirty="0"/>
-            </a:br>
             <a:endParaRPr lang="en-US" dirty="0"/>
           </a:p>
         </p:txBody>
@@ -3460,7 +3463,12 @@
             <p:ph idx="1"/>
           </p:nvPr>
         </p:nvSpPr>
-        <p:spPr/>
+        <p:spPr>
+          <a:xfrm>
+            <a:off x="448733" y="971682"/>
+            <a:ext cx="8229600" cy="3771636"/>
+          </a:xfrm>
+        </p:spPr>
         <p:txBody>
           <a:bodyPr>
             <a:normAutofit/>
@@ -3469,64 +3477,46 @@
           <a:p>
             <a:r>
               <a:rPr lang="en-US" dirty="0"/>
-              <a:t>What are the mean salaries for each region?</a:t>
-            </a:r>
-          </a:p>
-          <a:p>
-            <a:pPr lvl="2"/>
-            <a:r>
-              <a:rPr lang="en-US" dirty="0"/>
-              <a:t>Five regions</a:t>
-            </a:r>
-          </a:p>
-          <a:p>
-            <a:pPr lvl="3"/>
-            <a:r>
-              <a:rPr lang="en-US" dirty="0"/>
-              <a:t>Western</a:t>
-            </a:r>
-          </a:p>
-          <a:p>
-            <a:pPr lvl="3"/>
-            <a:r>
-              <a:rPr lang="en-US" dirty="0"/>
-              <a:t>Midwestern</a:t>
-            </a:r>
-          </a:p>
-          <a:p>
-            <a:pPr lvl="3"/>
-            <a:r>
-              <a:rPr lang="en-US" dirty="0"/>
-              <a:t>Southern</a:t>
-            </a:r>
-          </a:p>
-          <a:p>
-            <a:pPr lvl="3"/>
-            <a:r>
-              <a:rPr lang="en-US" dirty="0"/>
-              <a:t>Northeastern</a:t>
-            </a:r>
-          </a:p>
-          <a:p>
-            <a:pPr lvl="3"/>
-            <a:r>
-              <a:rPr lang="en-US" dirty="0"/>
-              <a:t>California </a:t>
-            </a:r>
-          </a:p>
-          <a:p>
-            <a:pPr marL="0" indent="0">
-              <a:buNone/>
-            </a:pPr>
-            <a:endParaRPr lang="en-US" dirty="0"/>
-          </a:p>
-          <a:p>
-            <a:pPr marL="0" indent="0">
-              <a:buNone/>
-            </a:pPr>
-            <a:endParaRPr lang="en-US" dirty="0"/>
-          </a:p>
-          <a:p>
+              <a:t>What is  the average starting salary of Party Schools?  (Top Five represented)</a:t>
+            </a:r>
+          </a:p>
+          <a:p>
+            <a:pPr lvl="3"/>
+            <a:r>
+              <a:rPr lang="en-US" b="1" dirty="0"/>
+              <a:t>State University of New York (SUNY) at Albany: $44,500</a:t>
+            </a:r>
+          </a:p>
+          <a:p>
+            <a:pPr lvl="3"/>
+            <a:r>
+              <a:rPr lang="en-US" b="1" dirty="0"/>
+              <a:t>University of Texas (UT) – Austin: $49,700</a:t>
+            </a:r>
+          </a:p>
+          <a:p>
+            <a:pPr lvl="3"/>
+            <a:r>
+              <a:rPr lang="en-US" b="1" dirty="0"/>
+              <a:t>University of California, Santa Barbara (UCSB): $50,500</a:t>
+            </a:r>
+          </a:p>
+          <a:p>
+            <a:pPr lvl="3"/>
+            <a:r>
+              <a:rPr lang="en-US" b="1" dirty="0"/>
+              <a:t>University of Maryland, College Park: $52,000 </a:t>
+            </a:r>
+          </a:p>
+          <a:p>
+            <a:pPr lvl="3"/>
+            <a:r>
+              <a:rPr lang="en-US" b="1" dirty="0"/>
+              <a:t>University of Illinois at Urbana-Champaign (UIUC): $52,900</a:t>
+            </a:r>
+          </a:p>
+          <a:p>
+            <a:pPr lvl="1"/>
             <a:endParaRPr lang="en-US" dirty="0"/>
           </a:p>
         </p:txBody>
@@ -3534,7 +3524,7 @@
     </p:spTree>
     <p:extLst>
       <p:ext uri="{BB962C8B-B14F-4D97-AF65-F5344CB8AC3E}">
-        <p14:creationId xmlns:p14="http://schemas.microsoft.com/office/powerpoint/2010/main" val="2177218230"/>
+        <p14:creationId xmlns:p14="http://schemas.microsoft.com/office/powerpoint/2010/main" val="509745890"/>
       </p:ext>
     </p:extLst>
   </p:cSld>
@@ -3589,10 +3579,10 @@
               <a:t>Does region matter in relation to starting median salary/mid-career median salary?</a:t>
             </a:r>
             <a:br>
-              <a:rPr lang="en-US" sz="2400" dirty="0"/>
+              <a:rPr lang="en-US" sz="2700" dirty="0"/>
             </a:br>
             <a:br>
-              <a:rPr lang="en-US" dirty="0"/>
+              <a:rPr lang="en-US" sz="3600" dirty="0"/>
             </a:br>
             <a:endParaRPr lang="en-US" dirty="0"/>
           </a:p>
@@ -3608,7 +3598,12 @@
             <p:ph idx="1"/>
           </p:nvPr>
         </p:nvSpPr>
-        <p:spPr/>
+        <p:spPr>
+          <a:xfrm>
+            <a:off x="457200" y="971682"/>
+            <a:ext cx="8229600" cy="3771636"/>
+          </a:xfrm>
+        </p:spPr>
         <p:txBody>
           <a:bodyPr>
             <a:normAutofit/>
@@ -3617,7 +3612,49 @@
           <a:p>
             <a:r>
               <a:rPr lang="en-US" dirty="0"/>
-              <a:t>Which region has the highest starting/mid-career/late-career salary?</a:t>
+              <a:t>What are the mean salaries for each region?</a:t>
+            </a:r>
+          </a:p>
+          <a:p>
+            <a:pPr lvl="2"/>
+            <a:r>
+              <a:rPr lang="en-US" dirty="0"/>
+              <a:t>Five regions</a:t>
+            </a:r>
+          </a:p>
+          <a:p>
+            <a:pPr lvl="3"/>
+            <a:r>
+              <a:rPr lang="en-US" dirty="0"/>
+              <a:t>Western</a:t>
+            </a:r>
+          </a:p>
+          <a:p>
+            <a:pPr lvl="3"/>
+            <a:r>
+              <a:rPr lang="en-US" dirty="0"/>
+              <a:t>Midwestern</a:t>
+            </a:r>
+          </a:p>
+          <a:p>
+            <a:pPr lvl="3"/>
+            <a:r>
+              <a:rPr lang="en-US" dirty="0"/>
+              <a:t>Southern</a:t>
+            </a:r>
+          </a:p>
+          <a:p>
+            <a:pPr lvl="3"/>
+            <a:r>
+              <a:rPr lang="en-US" dirty="0"/>
+              <a:t>Northeastern</a:t>
+            </a:r>
+          </a:p>
+          <a:p>
+            <a:pPr lvl="3"/>
+            <a:r>
+              <a:rPr lang="en-US" dirty="0"/>
+              <a:t>California </a:t>
             </a:r>
           </a:p>
           <a:p>
@@ -3640,7 +3677,7 @@
     </p:spTree>
     <p:extLst>
       <p:ext uri="{BB962C8B-B14F-4D97-AF65-F5344CB8AC3E}">
-        <p14:creationId xmlns:p14="http://schemas.microsoft.com/office/powerpoint/2010/main" val="1263797953"/>
+        <p14:creationId xmlns:p14="http://schemas.microsoft.com/office/powerpoint/2010/main" val="2177218230"/>
       </p:ext>
     </p:extLst>
   </p:cSld>
@@ -3714,23 +3751,88 @@
             <p:ph idx="1"/>
           </p:nvPr>
         </p:nvSpPr>
-        <p:spPr/>
+        <p:spPr>
+          <a:xfrm>
+            <a:off x="457200" y="971682"/>
+            <a:ext cx="8229600" cy="3771636"/>
+          </a:xfrm>
+        </p:spPr>
         <p:txBody>
           <a:bodyPr>
-            <a:normAutofit/>
+            <a:normAutofit fontScale="92500" lnSpcReduction="20000"/>
           </a:bodyPr>
           <a:lstStyle/>
           <a:p>
             <a:r>
               <a:rPr lang="en-US" dirty="0"/>
-              <a:t>Which region has the lowest starting/mid-career/late-career salary?</a:t>
+              <a:t>What are the mean salaries for each region?</a:t>
+            </a:r>
+          </a:p>
+          <a:p>
+            <a:pPr lvl="2"/>
+            <a:r>
+              <a:rPr lang="en-US" dirty="0"/>
+              <a:t>Five regions</a:t>
+            </a:r>
+          </a:p>
+          <a:p>
+            <a:pPr lvl="3"/>
+            <a:r>
+              <a:rPr lang="en-US" dirty="0"/>
+              <a:t>Western</a:t>
+            </a:r>
+          </a:p>
+          <a:p>
+            <a:pPr lvl="3"/>
+            <a:r>
+              <a:rPr lang="en-US" dirty="0"/>
+              <a:t>Midwestern</a:t>
+            </a:r>
+          </a:p>
+          <a:p>
+            <a:pPr lvl="3"/>
+            <a:r>
+              <a:rPr lang="en-US" dirty="0"/>
+              <a:t>Southern</a:t>
+            </a:r>
+          </a:p>
+          <a:p>
+            <a:pPr lvl="3"/>
+            <a:r>
+              <a:rPr lang="en-US" dirty="0"/>
+              <a:t>Northeastern</a:t>
+            </a:r>
+          </a:p>
+          <a:p>
+            <a:pPr lvl="3"/>
+            <a:r>
+              <a:rPr lang="en-US" dirty="0"/>
+              <a:t>California </a:t>
+            </a:r>
+          </a:p>
+          <a:p>
+            <a:pPr marL="1371600" lvl="3" indent="0">
+              <a:buNone/>
+            </a:pPr>
+            <a:endParaRPr lang="en-US" dirty="0"/>
+          </a:p>
+          <a:p>
+            <a:pPr marL="1371600" lvl="3" indent="0">
+              <a:buNone/>
+            </a:pPr>
+            <a:r>
+              <a:rPr lang="en-US" dirty="0"/>
+              <a:t>*California earned its status  as a region due to the volume of schools within the state, which rivaled the total of some regions</a:t>
             </a:r>
           </a:p>
           <a:p>
             <a:pPr marL="0" indent="0">
               <a:buNone/>
             </a:pPr>
-            <a:endParaRPr lang="en-US" dirty="0"/>
+            <a:r>
+              <a:rPr lang="en-US" dirty="0"/>
+              <a:t>	</a:t>
+            </a:r>
           </a:p>
           <a:p>
             <a:pPr marL="0" indent="0">
@@ -3746,7 +3848,7 @@
     </p:spTree>
     <p:extLst>
       <p:ext uri="{BB962C8B-B14F-4D97-AF65-F5344CB8AC3E}">
-        <p14:creationId xmlns:p14="http://schemas.microsoft.com/office/powerpoint/2010/main" val="531138255"/>
+        <p14:creationId xmlns:p14="http://schemas.microsoft.com/office/powerpoint/2010/main" val="2697385495"/>
       </p:ext>
     </p:extLst>
   </p:cSld>
@@ -3797,12 +3899,8 @@
               <a:rPr lang="en-US" sz="2200" dirty="0"/>
             </a:br>
             <a:r>
-              <a:rPr lang="en-US" sz="2200" dirty="0"/>
-              <a:t>Which degree majors have higher than average income growth</a:t>
-            </a:r>
-            <a:r>
               <a:rPr lang="en-US" sz="2000" dirty="0"/>
-              <a:t>?</a:t>
+              <a:t>Does region matter in relation to starting median salary/mid-career median salary?</a:t>
             </a:r>
             <a:br>
               <a:rPr lang="en-US" sz="2400" dirty="0"/>
@@ -3824,7 +3922,12 @@
             <p:ph idx="1"/>
           </p:nvPr>
         </p:nvSpPr>
-        <p:spPr/>
+        <p:spPr>
+          <a:xfrm>
+            <a:off x="457200" y="971682"/>
+            <a:ext cx="8229600" cy="3771636"/>
+          </a:xfrm>
+        </p:spPr>
         <p:txBody>
           <a:bodyPr>
             <a:normAutofit/>
@@ -3833,7 +3936,42 @@
           <a:p>
             <a:r>
               <a:rPr lang="en-US" dirty="0"/>
-              <a:t>What are the data outliers?</a:t>
+              <a:t>What are the mean salaries for each region?</a:t>
+            </a:r>
+          </a:p>
+          <a:p>
+            <a:pPr lvl="2"/>
+            <a:r>
+              <a:rPr lang="en-US" dirty="0"/>
+              <a:t>Western:</a:t>
+            </a:r>
+          </a:p>
+          <a:p>
+            <a:pPr lvl="2"/>
+            <a:r>
+              <a:rPr lang="en-US" dirty="0"/>
+              <a:t>Midwestern:</a:t>
+            </a:r>
+          </a:p>
+          <a:p>
+            <a:pPr lvl="2"/>
+            <a:r>
+              <a:rPr lang="en-US" dirty="0"/>
+              <a:t>Southern:</a:t>
+            </a:r>
+          </a:p>
+          <a:p>
+            <a:pPr lvl="2"/>
+            <a:r>
+              <a:rPr lang="en-US" dirty="0"/>
+              <a:t>Northeastern:</a:t>
+            </a:r>
+          </a:p>
+          <a:p>
+            <a:pPr lvl="2"/>
+            <a:r>
+              <a:rPr lang="en-US" dirty="0"/>
+              <a:t>California:</a:t>
             </a:r>
           </a:p>
           <a:p>
@@ -3856,7 +3994,7 @@
     </p:spTree>
     <p:extLst>
       <p:ext uri="{BB962C8B-B14F-4D97-AF65-F5344CB8AC3E}">
-        <p14:creationId xmlns:p14="http://schemas.microsoft.com/office/powerpoint/2010/main" val="47572653"/>
+        <p14:creationId xmlns:p14="http://schemas.microsoft.com/office/powerpoint/2010/main" val="944111051"/>
       </p:ext>
     </p:extLst>
   </p:cSld>
@@ -3907,12 +4045,8 @@
               <a:rPr lang="en-US" sz="2200" dirty="0"/>
             </a:br>
             <a:r>
-              <a:rPr lang="en-US" sz="2200" dirty="0"/>
-              <a:t>Which degree majors have higher than average income growth</a:t>
-            </a:r>
-            <a:r>
               <a:rPr lang="en-US" sz="2000" dirty="0"/>
-              <a:t>?</a:t>
+              <a:t>Does region matter in relation to starting median salary/mid-career median salary?</a:t>
             </a:r>
             <a:br>
               <a:rPr lang="en-US" sz="2400" dirty="0"/>
@@ -3934,7 +4068,12 @@
             <p:ph idx="1"/>
           </p:nvPr>
         </p:nvSpPr>
-        <p:spPr/>
+        <p:spPr>
+          <a:xfrm>
+            <a:off x="457200" y="971682"/>
+            <a:ext cx="8229600" cy="3771636"/>
+          </a:xfrm>
+        </p:spPr>
         <p:txBody>
           <a:bodyPr>
             <a:normAutofit/>
@@ -3943,8 +4082,54 @@
           <a:p>
             <a:r>
               <a:rPr lang="en-US" dirty="0"/>
-              <a:t>What major has the highest income growth?</a:t>
-            </a:r>
+              <a:t>Which region has the highest starting/mid-career/late-career salary?</a:t>
+            </a:r>
+          </a:p>
+          <a:p>
+            <a:pPr lvl="3"/>
+            <a:r>
+              <a:rPr lang="en-US" dirty="0"/>
+              <a:t>Starting</a:t>
+            </a:r>
+          </a:p>
+          <a:p>
+            <a:pPr lvl="4"/>
+            <a:r>
+              <a:rPr lang="en-US" dirty="0"/>
+              <a:t>Western</a:t>
+            </a:r>
+          </a:p>
+          <a:p>
+            <a:pPr lvl="4"/>
+            <a:r>
+              <a:rPr lang="en-US" dirty="0"/>
+              <a:t>Midwestern</a:t>
+            </a:r>
+          </a:p>
+          <a:p>
+            <a:pPr lvl="4"/>
+            <a:r>
+              <a:rPr lang="en-US" dirty="0"/>
+              <a:t>Southern</a:t>
+            </a:r>
+          </a:p>
+          <a:p>
+            <a:pPr lvl="4"/>
+            <a:r>
+              <a:rPr lang="en-US" dirty="0"/>
+              <a:t>Northeastern</a:t>
+            </a:r>
+          </a:p>
+          <a:p>
+            <a:pPr lvl="4"/>
+            <a:r>
+              <a:rPr lang="en-US" dirty="0"/>
+              <a:t>California </a:t>
+            </a:r>
+          </a:p>
+          <a:p>
+            <a:pPr lvl="3"/>
+            <a:endParaRPr lang="en-US" dirty="0"/>
           </a:p>
           <a:p>
             <a:pPr marL="0" indent="0">
@@ -3966,7 +4151,7 @@
     </p:spTree>
     <p:extLst>
       <p:ext uri="{BB962C8B-B14F-4D97-AF65-F5344CB8AC3E}">
-        <p14:creationId xmlns:p14="http://schemas.microsoft.com/office/powerpoint/2010/main" val="1521260146"/>
+        <p14:creationId xmlns:p14="http://schemas.microsoft.com/office/powerpoint/2010/main" val="1385650627"/>
       </p:ext>
     </p:extLst>
   </p:cSld>
@@ -4017,12 +4202,8 @@
               <a:rPr lang="en-US" sz="2200" dirty="0"/>
             </a:br>
             <a:r>
-              <a:rPr lang="en-US" sz="2200" dirty="0"/>
-              <a:t>Which degree majors have higher than average income growth</a:t>
-            </a:r>
-            <a:r>
               <a:rPr lang="en-US" sz="2000" dirty="0"/>
-              <a:t>?</a:t>
+              <a:t>Does region matter in relation to starting median salary/mid-career median salary?</a:t>
             </a:r>
             <a:br>
               <a:rPr lang="en-US" sz="2400" dirty="0"/>
@@ -4044,7 +4225,12 @@
             <p:ph idx="1"/>
           </p:nvPr>
         </p:nvSpPr>
-        <p:spPr/>
+        <p:spPr>
+          <a:xfrm>
+            <a:off x="457200" y="971682"/>
+            <a:ext cx="8229600" cy="3771636"/>
+          </a:xfrm>
+        </p:spPr>
         <p:txBody>
           <a:bodyPr>
             <a:normAutofit/>
@@ -4053,8 +4239,54 @@
           <a:p>
             <a:r>
               <a:rPr lang="en-US" dirty="0"/>
-              <a:t>What major has the lowest income growth?</a:t>
-            </a:r>
+              <a:t>Which region has the highest starting/mid-career/late-career salary?</a:t>
+            </a:r>
+          </a:p>
+          <a:p>
+            <a:pPr lvl="3"/>
+            <a:r>
+              <a:rPr lang="en-US" dirty="0"/>
+              <a:t>Mid-career</a:t>
+            </a:r>
+          </a:p>
+          <a:p>
+            <a:pPr lvl="4"/>
+            <a:r>
+              <a:rPr lang="en-US" dirty="0"/>
+              <a:t>Western</a:t>
+            </a:r>
+          </a:p>
+          <a:p>
+            <a:pPr lvl="4"/>
+            <a:r>
+              <a:rPr lang="en-US" dirty="0"/>
+              <a:t>Midwestern</a:t>
+            </a:r>
+          </a:p>
+          <a:p>
+            <a:pPr lvl="4"/>
+            <a:r>
+              <a:rPr lang="en-US" dirty="0"/>
+              <a:t>Southern</a:t>
+            </a:r>
+          </a:p>
+          <a:p>
+            <a:pPr lvl="4"/>
+            <a:r>
+              <a:rPr lang="en-US" dirty="0"/>
+              <a:t>Northeastern</a:t>
+            </a:r>
+          </a:p>
+          <a:p>
+            <a:pPr lvl="4"/>
+            <a:r>
+              <a:rPr lang="en-US" dirty="0"/>
+              <a:t>California </a:t>
+            </a:r>
+          </a:p>
+          <a:p>
+            <a:pPr lvl="3"/>
+            <a:endParaRPr lang="en-US" dirty="0"/>
           </a:p>
           <a:p>
             <a:pPr marL="0" indent="0">
@@ -4076,7 +4308,7 @@
     </p:spTree>
     <p:extLst>
       <p:ext uri="{BB962C8B-B14F-4D97-AF65-F5344CB8AC3E}">
-        <p14:creationId xmlns:p14="http://schemas.microsoft.com/office/powerpoint/2010/main" val="196510788"/>
+        <p14:creationId xmlns:p14="http://schemas.microsoft.com/office/powerpoint/2010/main" val="246756581"/>
       </p:ext>
     </p:extLst>
   </p:cSld>
@@ -4115,13 +4347,28 @@
         </p:nvSpPr>
         <p:spPr/>
         <p:txBody>
-          <a:bodyPr/>
-          <a:lstStyle/>
-          <a:p>
-            <a:r>
-              <a:rPr lang="en-US" dirty="0"/>
-              <a:t>Data Cleanup &amp; Exploration</a:t>
-            </a:r>
+          <a:bodyPr>
+            <a:normAutofit fontScale="90000"/>
+          </a:bodyPr>
+          <a:lstStyle/>
+          <a:p>
+            <a:br>
+              <a:rPr lang="en-US" sz="2200" dirty="0"/>
+            </a:br>
+            <a:br>
+              <a:rPr lang="en-US" sz="2200" dirty="0"/>
+            </a:br>
+            <a:r>
+              <a:rPr lang="en-US" sz="2000" dirty="0"/>
+              <a:t>Does region matter in relation to starting median salary/mid-career median salary?</a:t>
+            </a:r>
+            <a:br>
+              <a:rPr lang="en-US" sz="2400" dirty="0"/>
+            </a:br>
+            <a:br>
+              <a:rPr lang="en-US" dirty="0"/>
+            </a:br>
+            <a:endParaRPr lang="en-US" dirty="0"/>
           </a:p>
         </p:txBody>
       </p:sp>
@@ -4135,59 +4382,80 @@
             <p:ph idx="1"/>
           </p:nvPr>
         </p:nvSpPr>
-        <p:spPr/>
+        <p:spPr>
+          <a:xfrm>
+            <a:off x="457200" y="971682"/>
+            <a:ext cx="8229600" cy="3771636"/>
+          </a:xfrm>
+        </p:spPr>
         <p:txBody>
           <a:bodyPr>
-            <a:normAutofit fontScale="62500" lnSpcReduction="20000"/>
+            <a:normAutofit/>
           </a:bodyPr>
           <a:lstStyle/>
           <a:p>
             <a:r>
               <a:rPr lang="en-US" dirty="0"/>
-              <a:t>Your Text  here</a:t>
-            </a:r>
-          </a:p>
-          <a:p>
-            <a:endParaRPr lang="en-US" dirty="0"/>
-          </a:p>
-          <a:p>
-            <a:r>
-              <a:rPr lang="en-US" dirty="0" err="1"/>
-              <a:t>Lorem</a:t>
-            </a:r>
-            <a:r>
-              <a:rPr lang="en-US" dirty="0"/>
-              <a:t> </a:t>
-            </a:r>
-            <a:r>
-              <a:rPr lang="en-US" dirty="0" err="1"/>
-              <a:t>Ipsum</a:t>
-            </a:r>
-            <a:r>
-              <a:rPr lang="en-US" dirty="0"/>
-              <a:t> has been the industry's standard dummy text ever since the 1500s, when an unknown printer took a galley of type and scrambled it to make a type specimen book. It has survived not only five centuries, but also the leap into electronic typesetting, remaining essentially unchanged. It was popularized in the 1960s with the </a:t>
-            </a:r>
-          </a:p>
-          <a:p>
-            <a:endParaRPr lang="en-US" dirty="0"/>
-          </a:p>
-          <a:p>
-            <a:r>
-              <a:rPr lang="en-US" dirty="0" err="1"/>
-              <a:t>Lorem</a:t>
-            </a:r>
-            <a:r>
-              <a:rPr lang="en-US" dirty="0"/>
-              <a:t> </a:t>
-            </a:r>
-            <a:r>
-              <a:rPr lang="en-US" dirty="0" err="1"/>
-              <a:t>Ipsum</a:t>
-            </a:r>
-            <a:r>
-              <a:rPr lang="en-US" dirty="0"/>
-              <a:t> has been the industry's standard dummy text ever since the 1500s, when an unknown printer took a galley of type and scrambled it to make a type specimen book. It has survived not only five centuries, but also the leap into electronic typesetting, remaining essentially unchanged</a:t>
-            </a:r>
+              <a:t>Which region has the highest starting/mid-career/late-career salary?</a:t>
+            </a:r>
+          </a:p>
+          <a:p>
+            <a:pPr lvl="3"/>
+            <a:r>
+              <a:rPr lang="en-US" dirty="0"/>
+              <a:t>Late-career</a:t>
+            </a:r>
+          </a:p>
+          <a:p>
+            <a:pPr lvl="4"/>
+            <a:r>
+              <a:rPr lang="en-US" dirty="0"/>
+              <a:t>Western</a:t>
+            </a:r>
+          </a:p>
+          <a:p>
+            <a:pPr lvl="4"/>
+            <a:r>
+              <a:rPr lang="en-US" dirty="0"/>
+              <a:t>Midwestern</a:t>
+            </a:r>
+          </a:p>
+          <a:p>
+            <a:pPr lvl="4"/>
+            <a:r>
+              <a:rPr lang="en-US" dirty="0"/>
+              <a:t>Southern</a:t>
+            </a:r>
+          </a:p>
+          <a:p>
+            <a:pPr lvl="4"/>
+            <a:r>
+              <a:rPr lang="en-US" dirty="0"/>
+              <a:t>Northeastern</a:t>
+            </a:r>
+          </a:p>
+          <a:p>
+            <a:pPr lvl="4"/>
+            <a:r>
+              <a:rPr lang="en-US" dirty="0"/>
+              <a:t>California </a:t>
+            </a:r>
+          </a:p>
+          <a:p>
+            <a:pPr lvl="3"/>
+            <a:endParaRPr lang="en-US" dirty="0"/>
+          </a:p>
+          <a:p>
+            <a:pPr marL="0" indent="0">
+              <a:buNone/>
+            </a:pPr>
+            <a:endParaRPr lang="en-US" dirty="0"/>
+          </a:p>
+          <a:p>
+            <a:pPr marL="0" indent="0">
+              <a:buNone/>
+            </a:pPr>
+            <a:endParaRPr lang="en-US" dirty="0"/>
           </a:p>
           <a:p>
             <a:endParaRPr lang="en-US" dirty="0"/>
@@ -4197,7 +4465,7 @@
     </p:spTree>
     <p:extLst>
       <p:ext uri="{BB962C8B-B14F-4D97-AF65-F5344CB8AC3E}">
-        <p14:creationId xmlns:p14="http://schemas.microsoft.com/office/powerpoint/2010/main" val="1260330629"/>
+        <p14:creationId xmlns:p14="http://schemas.microsoft.com/office/powerpoint/2010/main" val="4282334233"/>
       </p:ext>
     </p:extLst>
   </p:cSld>
@@ -4236,13 +4504,28 @@
         </p:nvSpPr>
         <p:spPr/>
         <p:txBody>
-          <a:bodyPr/>
-          <a:lstStyle/>
-          <a:p>
-            <a:r>
-              <a:rPr lang="en-US" dirty="0"/>
-              <a:t>Discussion</a:t>
-            </a:r>
+          <a:bodyPr>
+            <a:normAutofit fontScale="90000"/>
+          </a:bodyPr>
+          <a:lstStyle/>
+          <a:p>
+            <a:br>
+              <a:rPr lang="en-US" sz="2200" dirty="0"/>
+            </a:br>
+            <a:br>
+              <a:rPr lang="en-US" sz="2200" dirty="0"/>
+            </a:br>
+            <a:r>
+              <a:rPr lang="en-US" sz="2000" dirty="0"/>
+              <a:t>Does region matter in relation to starting median salary/mid-career median salary?</a:t>
+            </a:r>
+            <a:br>
+              <a:rPr lang="en-US" sz="2400" dirty="0"/>
+            </a:br>
+            <a:br>
+              <a:rPr lang="en-US" dirty="0"/>
+            </a:br>
+            <a:endParaRPr lang="en-US" dirty="0"/>
           </a:p>
         </p:txBody>
       </p:sp>
@@ -4256,7 +4539,12 @@
             <p:ph idx="1"/>
           </p:nvPr>
         </p:nvSpPr>
-        <p:spPr/>
+        <p:spPr>
+          <a:xfrm>
+            <a:off x="457200" y="971682"/>
+            <a:ext cx="8229600" cy="3771636"/>
+          </a:xfrm>
+        </p:spPr>
         <p:txBody>
           <a:bodyPr>
             <a:normAutofit/>
@@ -4265,26 +4553,66 @@
           <a:p>
             <a:r>
               <a:rPr lang="en-US" dirty="0"/>
-              <a:t>Discussion…..</a:t>
-            </a:r>
-          </a:p>
-          <a:p>
-            <a:endParaRPr lang="en-US" dirty="0"/>
-          </a:p>
-          <a:p>
-            <a:r>
-              <a:rPr lang="en-US" dirty="0"/>
-              <a:t>ABC</a:t>
-            </a:r>
-          </a:p>
-          <a:p>
-            <a:endParaRPr lang="en-US" dirty="0"/>
-          </a:p>
-          <a:p>
-            <a:r>
-              <a:rPr lang="en-US" dirty="0"/>
-              <a:t>XYZ</a:t>
-            </a:r>
+              <a:t>Which region has the lowest starting/mid-career/late-career salary?</a:t>
+            </a:r>
+          </a:p>
+          <a:p>
+            <a:pPr lvl="3"/>
+            <a:r>
+              <a:rPr lang="en-US" dirty="0"/>
+              <a:t>Starting</a:t>
+            </a:r>
+          </a:p>
+          <a:p>
+            <a:pPr lvl="4"/>
+            <a:r>
+              <a:rPr lang="en-US" dirty="0"/>
+              <a:t>Western</a:t>
+            </a:r>
+          </a:p>
+          <a:p>
+            <a:pPr lvl="4"/>
+            <a:r>
+              <a:rPr lang="en-US" dirty="0"/>
+              <a:t>Midwestern</a:t>
+            </a:r>
+          </a:p>
+          <a:p>
+            <a:pPr lvl="4"/>
+            <a:r>
+              <a:rPr lang="en-US" dirty="0"/>
+              <a:t>Southern</a:t>
+            </a:r>
+          </a:p>
+          <a:p>
+            <a:pPr lvl="4"/>
+            <a:r>
+              <a:rPr lang="en-US" dirty="0"/>
+              <a:t>Northeastern</a:t>
+            </a:r>
+          </a:p>
+          <a:p>
+            <a:pPr lvl="4"/>
+            <a:r>
+              <a:rPr lang="en-US" dirty="0"/>
+              <a:t>California </a:t>
+            </a:r>
+          </a:p>
+          <a:p>
+            <a:pPr lvl="3"/>
+            <a:endParaRPr lang="en-US" dirty="0"/>
+          </a:p>
+          <a:p>
+            <a:pPr marL="0" indent="0">
+              <a:buNone/>
+            </a:pPr>
+            <a:endParaRPr lang="en-US" dirty="0"/>
+          </a:p>
+          <a:p>
+            <a:pPr marL="0" indent="0">
+              <a:buNone/>
+            </a:pPr>
+            <a:endParaRPr lang="en-US" dirty="0"/>
           </a:p>
           <a:p>
             <a:endParaRPr lang="en-US" dirty="0"/>
@@ -4294,7 +4622,7 @@
     </p:spTree>
     <p:extLst>
       <p:ext uri="{BB962C8B-B14F-4D97-AF65-F5344CB8AC3E}">
-        <p14:creationId xmlns:p14="http://schemas.microsoft.com/office/powerpoint/2010/main" val="3452757044"/>
+        <p14:creationId xmlns:p14="http://schemas.microsoft.com/office/powerpoint/2010/main" val="2081466190"/>
       </p:ext>
     </p:extLst>
   </p:cSld>
@@ -4323,291 +4651,292 @@
       </p:grpSpPr>
       <p:sp>
         <p:nvSpPr>
-          <p:cNvPr id="4" name="Rectangle 2"/>
-          <p:cNvSpPr txBox="1">
-            <a:spLocks noChangeArrowheads="1"/>
-          </p:cNvSpPr>
-          <p:nvPr/>
+          <p:cNvPr id="2" name="Title 1"/>
+          <p:cNvSpPr>
+            <a:spLocks noGrp="1"/>
+          </p:cNvSpPr>
+          <p:nvPr>
+            <p:ph type="title"/>
+          </p:nvPr>
+        </p:nvSpPr>
+        <p:spPr/>
+        <p:txBody>
+          <a:bodyPr>
+            <a:normAutofit fontScale="90000"/>
+          </a:bodyPr>
+          <a:lstStyle/>
+          <a:p>
+            <a:br>
+              <a:rPr lang="en-US" sz="2200" dirty="0"/>
+            </a:br>
+            <a:br>
+              <a:rPr lang="en-US" sz="2200" dirty="0"/>
+            </a:br>
+            <a:r>
+              <a:rPr lang="en-US" sz="2000" dirty="0"/>
+              <a:t>Does region matter in relation to starting median salary/mid-career median salary?</a:t>
+            </a:r>
+            <a:br>
+              <a:rPr lang="en-US" sz="2400" dirty="0"/>
+            </a:br>
+            <a:br>
+              <a:rPr lang="en-US" dirty="0"/>
+            </a:br>
+            <a:endParaRPr lang="en-US" dirty="0"/>
+          </a:p>
+        </p:txBody>
+      </p:sp>
+      <p:sp>
+        <p:nvSpPr>
+          <p:cNvPr id="3" name="Content Placeholder 2"/>
+          <p:cNvSpPr>
+            <a:spLocks noGrp="1"/>
+          </p:cNvSpPr>
+          <p:nvPr>
+            <p:ph idx="1"/>
+          </p:nvPr>
         </p:nvSpPr>
         <p:spPr>
           <a:xfrm>
-            <a:off x="609600" y="2645834"/>
-            <a:ext cx="4114800" cy="1295136"/>
+            <a:off x="457200" y="971682"/>
+            <a:ext cx="8229600" cy="3771636"/>
           </a:xfrm>
-          <a:prstGeom prst="rect">
-            <a:avLst/>
-          </a:prstGeom>
         </p:spPr>
         <p:txBody>
-          <a:bodyPr vert="horz" lIns="91440" tIns="45720" rIns="91440" bIns="45720" rtlCol="0" anchor="ctr">
-            <a:noAutofit/>
+          <a:bodyPr>
+            <a:normAutofit/>
           </a:bodyPr>
           <a:lstStyle/>
           <a:p>
-            <a:pPr marL="0" marR="0" lvl="0" indent="0" defTabSz="914400" rtl="0" eaLnBrk="1" fontAlgn="auto" latinLnBrk="0" hangingPunct="1">
-              <a:lnSpc>
-                <a:spcPct val="100000"/>
-              </a:lnSpc>
-              <a:spcBef>
-                <a:spcPct val="0"/>
-              </a:spcBef>
-              <a:spcAft>
-                <a:spcPts val="0"/>
-              </a:spcAft>
-              <a:buClrTx/>
-              <a:buSzTx/>
-              <a:buFontTx/>
-              <a:buNone/>
-              <a:tabLst/>
-              <a:defRPr/>
+            <a:r>
+              <a:rPr lang="en-US" dirty="0"/>
+              <a:t>Which region has the lowest starting/mid-career/late-career salary?</a:t>
+            </a:r>
+          </a:p>
+          <a:p>
+            <a:pPr lvl="3"/>
+            <a:r>
+              <a:rPr lang="en-US" dirty="0"/>
+              <a:t>Mid-career</a:t>
+            </a:r>
+          </a:p>
+          <a:p>
+            <a:pPr lvl="4"/>
+            <a:r>
+              <a:rPr lang="en-US" dirty="0"/>
+              <a:t>Western</a:t>
+            </a:r>
+          </a:p>
+          <a:p>
+            <a:pPr lvl="4"/>
+            <a:r>
+              <a:rPr lang="en-US" dirty="0"/>
+              <a:t>Midwestern</a:t>
+            </a:r>
+          </a:p>
+          <a:p>
+            <a:pPr lvl="4"/>
+            <a:r>
+              <a:rPr lang="en-US" dirty="0"/>
+              <a:t>Southern</a:t>
+            </a:r>
+          </a:p>
+          <a:p>
+            <a:pPr lvl="4"/>
+            <a:r>
+              <a:rPr lang="en-US" dirty="0"/>
+              <a:t>Northeastern</a:t>
+            </a:r>
+          </a:p>
+          <a:p>
+            <a:pPr lvl="4"/>
+            <a:r>
+              <a:rPr lang="en-US" dirty="0"/>
+              <a:t>California </a:t>
+            </a:r>
+          </a:p>
+          <a:p>
+            <a:pPr lvl="3"/>
+            <a:endParaRPr lang="en-US" dirty="0"/>
+          </a:p>
+          <a:p>
+            <a:pPr marL="0" indent="0">
+              <a:buNone/>
             </a:pPr>
-            <a:r>
-              <a:rPr lang="en-US" sz="3600" b="1" dirty="0">
-                <a:latin typeface="Arial" pitchFamily="34" charset="0"/>
-                <a:ea typeface="+mj-ea"/>
-                <a:cs typeface="Arial" pitchFamily="34" charset="0"/>
-              </a:rPr>
-              <a:t>A</a:t>
-            </a:r>
-            <a:r>
-              <a:rPr kumimoji="0" lang="en-US" sz="3600" b="1" i="0" u="none" strike="noStrike" kern="1200" cap="none" spc="0" normalizeH="0" baseline="0" noProof="0" dirty="0" err="1">
-                <a:ln>
-                  <a:noFill/>
-                </a:ln>
-                <a:effectLst/>
-                <a:uLnTx/>
-                <a:uFillTx/>
-                <a:latin typeface="Arial" pitchFamily="34" charset="0"/>
-                <a:ea typeface="+mj-ea"/>
-                <a:cs typeface="Arial" pitchFamily="34" charset="0"/>
-              </a:rPr>
-              <a:t>ny</a:t>
-            </a:r>
-            <a:r>
-              <a:rPr kumimoji="0" lang="en-US" sz="3600" b="1" i="0" u="none" strike="noStrike" kern="1200" cap="none" spc="0" normalizeH="0" baseline="0" noProof="0" dirty="0">
-                <a:ln>
-                  <a:noFill/>
-                </a:ln>
-                <a:effectLst/>
-                <a:uLnTx/>
-                <a:uFillTx/>
-                <a:latin typeface="Arial" pitchFamily="34" charset="0"/>
-                <a:ea typeface="+mj-ea"/>
-                <a:cs typeface="Arial" pitchFamily="34" charset="0"/>
-              </a:rPr>
-              <a:t> questions?</a:t>
-            </a:r>
-          </a:p>
-        </p:txBody>
-      </p:sp>
-      <p:sp>
-        <p:nvSpPr>
-          <p:cNvPr id="5" name="Rectangle 2"/>
-          <p:cNvSpPr txBox="1">
-            <a:spLocks noChangeArrowheads="1"/>
-          </p:cNvSpPr>
-          <p:nvPr/>
-        </p:nvSpPr>
-        <p:spPr>
-          <a:xfrm>
-            <a:off x="4800600" y="994833"/>
-            <a:ext cx="3124200" cy="4254500"/>
-          </a:xfrm>
-          <a:prstGeom prst="rect">
-            <a:avLst/>
-          </a:prstGeom>
-        </p:spPr>
-        <p:txBody>
-          <a:bodyPr vert="horz" lIns="91440" tIns="45720" rIns="91440" bIns="45720" rtlCol="0" anchor="ctr">
-            <a:noAutofit/>
-          </a:bodyPr>
-          <a:lstStyle/>
-          <a:p>
-            <a:pPr marL="0" marR="0" lvl="0" indent="0" defTabSz="914400" rtl="0" eaLnBrk="1" fontAlgn="auto" latinLnBrk="0" hangingPunct="1">
-              <a:lnSpc>
-                <a:spcPct val="100000"/>
-              </a:lnSpc>
-              <a:spcBef>
-                <a:spcPct val="0"/>
-              </a:spcBef>
-              <a:spcAft>
-                <a:spcPts val="0"/>
-              </a:spcAft>
-              <a:buClrTx/>
-              <a:buSzTx/>
-              <a:buFontTx/>
-              <a:buNone/>
-              <a:tabLst/>
-              <a:defRPr/>
+            <a:endParaRPr lang="en-US" dirty="0"/>
+          </a:p>
+          <a:p>
+            <a:pPr marL="0" indent="0">
+              <a:buNone/>
             </a:pPr>
-            <a:r>
-              <a:rPr lang="en-US" sz="33300" b="1" dirty="0">
-                <a:solidFill>
-                  <a:schemeClr val="accent1"/>
-                </a:solidFill>
-                <a:latin typeface="Century Gothic" pitchFamily="34" charset="0"/>
-                <a:ea typeface="+mj-ea"/>
-                <a:cs typeface="Arial" pitchFamily="34" charset="0"/>
-              </a:rPr>
-              <a:t>?</a:t>
-            </a:r>
-            <a:endParaRPr kumimoji="0" lang="en-US" sz="33300" b="1" i="0" u="none" strike="noStrike" kern="1200" cap="none" spc="0" normalizeH="0" baseline="0" noProof="0" dirty="0">
-              <a:ln>
-                <a:noFill/>
-              </a:ln>
-              <a:solidFill>
-                <a:schemeClr val="accent1"/>
-              </a:solidFill>
-              <a:effectLst/>
-              <a:uLnTx/>
-              <a:uFillTx/>
-              <a:latin typeface="Century Gothic" pitchFamily="34" charset="0"/>
-              <a:ea typeface="+mj-ea"/>
-              <a:cs typeface="Arial" pitchFamily="34" charset="0"/>
-            </a:endParaRPr>
-          </a:p>
-        </p:txBody>
-      </p:sp>
-      <p:sp>
-        <p:nvSpPr>
-          <p:cNvPr id="6" name="Rectangle 2"/>
-          <p:cNvSpPr txBox="1">
-            <a:spLocks noChangeArrowheads="1"/>
-          </p:cNvSpPr>
-          <p:nvPr/>
-        </p:nvSpPr>
-        <p:spPr>
-          <a:xfrm>
-            <a:off x="7086600" y="2866760"/>
-            <a:ext cx="1676400" cy="1874573"/>
-          </a:xfrm>
-          <a:prstGeom prst="rect">
-            <a:avLst/>
-          </a:prstGeom>
-        </p:spPr>
-        <p:txBody>
-          <a:bodyPr vert="horz" lIns="91440" tIns="45720" rIns="91440" bIns="45720" rtlCol="0" anchor="ctr">
-            <a:noAutofit/>
-          </a:bodyPr>
-          <a:lstStyle/>
-          <a:p>
-            <a:pPr marL="0" marR="0" lvl="0" indent="0" defTabSz="914400" rtl="0" eaLnBrk="1" fontAlgn="auto" latinLnBrk="0" hangingPunct="1">
-              <a:lnSpc>
-                <a:spcPct val="100000"/>
-              </a:lnSpc>
-              <a:spcBef>
-                <a:spcPct val="0"/>
-              </a:spcBef>
-              <a:spcAft>
-                <a:spcPts val="0"/>
-              </a:spcAft>
-              <a:buClrTx/>
-              <a:buSzTx/>
-              <a:buFontTx/>
-              <a:buNone/>
-              <a:tabLst/>
-              <a:defRPr/>
-            </a:pPr>
-            <a:r>
-              <a:rPr lang="en-US" sz="16700" b="1" dirty="0">
-                <a:solidFill>
-                  <a:schemeClr val="accent2"/>
-                </a:solidFill>
-                <a:latin typeface="Century Gothic" pitchFamily="34" charset="0"/>
-                <a:ea typeface="+mj-ea"/>
-                <a:cs typeface="Arial" pitchFamily="34" charset="0"/>
-              </a:rPr>
-              <a:t>?</a:t>
-            </a:r>
-            <a:endParaRPr kumimoji="0" lang="en-US" sz="16700" b="1" i="0" u="none" strike="noStrike" kern="1200" cap="none" spc="0" normalizeH="0" baseline="0" noProof="0" dirty="0">
-              <a:ln>
-                <a:noFill/>
-              </a:ln>
-              <a:solidFill>
-                <a:schemeClr val="accent2"/>
-              </a:solidFill>
-              <a:effectLst/>
-              <a:uLnTx/>
-              <a:uFillTx/>
-              <a:latin typeface="Century Gothic" pitchFamily="34" charset="0"/>
-              <a:ea typeface="+mj-ea"/>
-              <a:cs typeface="Arial" pitchFamily="34" charset="0"/>
-            </a:endParaRPr>
-          </a:p>
-        </p:txBody>
-      </p:sp>
-      <p:sp>
-        <p:nvSpPr>
-          <p:cNvPr id="8" name="Rectangle 2"/>
-          <p:cNvSpPr txBox="1">
-            <a:spLocks noChangeArrowheads="1"/>
-          </p:cNvSpPr>
-          <p:nvPr/>
-        </p:nvSpPr>
-        <p:spPr>
-          <a:xfrm>
-            <a:off x="4572000" y="3153833"/>
-            <a:ext cx="838200" cy="1079500"/>
-          </a:xfrm>
-          <a:prstGeom prst="rect">
-            <a:avLst/>
-          </a:prstGeom>
-        </p:spPr>
-        <p:txBody>
-          <a:bodyPr vert="horz" lIns="91440" tIns="45720" rIns="91440" bIns="45720" rtlCol="0" anchor="ctr">
-            <a:noAutofit/>
-          </a:bodyPr>
-          <a:lstStyle/>
-          <a:p>
-            <a:pPr marL="0" marR="0" lvl="0" indent="0" defTabSz="914400" rtl="0" eaLnBrk="1" fontAlgn="auto" latinLnBrk="0" hangingPunct="1">
-              <a:lnSpc>
-                <a:spcPct val="100000"/>
-              </a:lnSpc>
-              <a:spcBef>
-                <a:spcPct val="0"/>
-              </a:spcBef>
-              <a:spcAft>
-                <a:spcPts val="0"/>
-              </a:spcAft>
-              <a:buClrTx/>
-              <a:buSzTx/>
-              <a:buFontTx/>
-              <a:buNone/>
-              <a:tabLst/>
-              <a:defRPr/>
-            </a:pPr>
-            <a:r>
-              <a:rPr lang="en-US" sz="9600" b="1" dirty="0">
-                <a:solidFill>
-                  <a:schemeClr val="accent3"/>
-                </a:solidFill>
-                <a:latin typeface="Century Gothic" pitchFamily="34" charset="0"/>
-                <a:ea typeface="+mj-ea"/>
-                <a:cs typeface="Arial" pitchFamily="34" charset="0"/>
-              </a:rPr>
-              <a:t>?</a:t>
-            </a:r>
-            <a:endParaRPr kumimoji="0" lang="en-US" sz="9600" b="1" i="0" u="none" strike="noStrike" kern="1200" cap="none" spc="0" normalizeH="0" baseline="0" noProof="0" dirty="0">
-              <a:ln>
-                <a:noFill/>
-              </a:ln>
-              <a:solidFill>
-                <a:schemeClr val="accent3"/>
-              </a:solidFill>
-              <a:effectLst/>
-              <a:uLnTx/>
-              <a:uFillTx/>
-              <a:latin typeface="Century Gothic" pitchFamily="34" charset="0"/>
-              <a:ea typeface="+mj-ea"/>
-              <a:cs typeface="Arial" pitchFamily="34" charset="0"/>
-            </a:endParaRPr>
+            <a:endParaRPr lang="en-US" dirty="0"/>
+          </a:p>
+          <a:p>
+            <a:endParaRPr lang="en-US" dirty="0"/>
           </a:p>
         </p:txBody>
       </p:sp>
     </p:spTree>
     <p:extLst>
       <p:ext uri="{BB962C8B-B14F-4D97-AF65-F5344CB8AC3E}">
-        <p14:creationId xmlns:p14="http://schemas.microsoft.com/office/powerpoint/2010/main" val="367278429"/>
+        <p14:creationId xmlns:p14="http://schemas.microsoft.com/office/powerpoint/2010/main" val="310647455"/>
+      </p:ext>
+    </p:extLst>
+  </p:cSld>
+  <p:clrMapOvr>
+    <a:masterClrMapping/>
+  </p:clrMapOvr>
+</p:sld>
+</file>
+
+<file path=ppt/slides/slide19.xml><?xml version="1.0" encoding="utf-8"?>
+<p:sld xmlns:a="http://schemas.openxmlformats.org/drawingml/2006/main" xmlns:r="http://schemas.openxmlformats.org/officeDocument/2006/relationships" xmlns:p="http://schemas.openxmlformats.org/presentationml/2006/main">
+  <p:cSld>
+    <p:spTree>
+      <p:nvGrpSpPr>
+        <p:cNvPr id="1" name=""/>
+        <p:cNvGrpSpPr/>
+        <p:nvPr/>
+      </p:nvGrpSpPr>
+      <p:grpSpPr>
+        <a:xfrm>
+          <a:off x="0" y="0"/>
+          <a:ext cx="0" cy="0"/>
+          <a:chOff x="0" y="0"/>
+          <a:chExt cx="0" cy="0"/>
+        </a:xfrm>
+      </p:grpSpPr>
+      <p:sp>
+        <p:nvSpPr>
+          <p:cNvPr id="2" name="Title 1"/>
+          <p:cNvSpPr>
+            <a:spLocks noGrp="1"/>
+          </p:cNvSpPr>
+          <p:nvPr>
+            <p:ph type="title"/>
+          </p:nvPr>
+        </p:nvSpPr>
+        <p:spPr/>
+        <p:txBody>
+          <a:bodyPr>
+            <a:normAutofit fontScale="90000"/>
+          </a:bodyPr>
+          <a:lstStyle/>
+          <a:p>
+            <a:br>
+              <a:rPr lang="en-US" sz="2200" dirty="0"/>
+            </a:br>
+            <a:br>
+              <a:rPr lang="en-US" sz="2200" dirty="0"/>
+            </a:br>
+            <a:r>
+              <a:rPr lang="en-US" sz="2000" dirty="0"/>
+              <a:t>Does region matter in relation to starting median salary/mid-career median salary?</a:t>
+            </a:r>
+            <a:br>
+              <a:rPr lang="en-US" sz="2400" dirty="0"/>
+            </a:br>
+            <a:br>
+              <a:rPr lang="en-US" dirty="0"/>
+            </a:br>
+            <a:endParaRPr lang="en-US" dirty="0"/>
+          </a:p>
+        </p:txBody>
+      </p:sp>
+      <p:sp>
+        <p:nvSpPr>
+          <p:cNvPr id="3" name="Content Placeholder 2"/>
+          <p:cNvSpPr>
+            <a:spLocks noGrp="1"/>
+          </p:cNvSpPr>
+          <p:nvPr>
+            <p:ph idx="1"/>
+          </p:nvPr>
+        </p:nvSpPr>
+        <p:spPr>
+          <a:xfrm>
+            <a:off x="457200" y="971682"/>
+            <a:ext cx="8229600" cy="3771636"/>
+          </a:xfrm>
+        </p:spPr>
+        <p:txBody>
+          <a:bodyPr>
+            <a:normAutofit/>
+          </a:bodyPr>
+          <a:lstStyle/>
+          <a:p>
+            <a:r>
+              <a:rPr lang="en-US" dirty="0"/>
+              <a:t>Which region has the lowest starting/mid-career/late-career salary?</a:t>
+            </a:r>
+          </a:p>
+          <a:p>
+            <a:pPr lvl="3"/>
+            <a:r>
+              <a:rPr lang="en-US" dirty="0"/>
+              <a:t>Late-career</a:t>
+            </a:r>
+          </a:p>
+          <a:p>
+            <a:pPr lvl="4"/>
+            <a:r>
+              <a:rPr lang="en-US" dirty="0"/>
+              <a:t>Western</a:t>
+            </a:r>
+          </a:p>
+          <a:p>
+            <a:pPr lvl="4"/>
+            <a:r>
+              <a:rPr lang="en-US" dirty="0"/>
+              <a:t>Midwestern</a:t>
+            </a:r>
+          </a:p>
+          <a:p>
+            <a:pPr lvl="4"/>
+            <a:r>
+              <a:rPr lang="en-US" dirty="0"/>
+              <a:t>Southern</a:t>
+            </a:r>
+          </a:p>
+          <a:p>
+            <a:pPr lvl="4"/>
+            <a:r>
+              <a:rPr lang="en-US" dirty="0"/>
+              <a:t>Northeastern</a:t>
+            </a:r>
+          </a:p>
+          <a:p>
+            <a:pPr lvl="4"/>
+            <a:r>
+              <a:rPr lang="en-US" dirty="0"/>
+              <a:t>California </a:t>
+            </a:r>
+          </a:p>
+          <a:p>
+            <a:pPr lvl="3"/>
+            <a:endParaRPr lang="en-US" dirty="0"/>
+          </a:p>
+          <a:p>
+            <a:pPr marL="0" indent="0">
+              <a:buNone/>
+            </a:pPr>
+            <a:endParaRPr lang="en-US" dirty="0"/>
+          </a:p>
+          <a:p>
+            <a:pPr marL="0" indent="0">
+              <a:buNone/>
+            </a:pPr>
+            <a:endParaRPr lang="en-US" dirty="0"/>
+          </a:p>
+          <a:p>
+            <a:endParaRPr lang="en-US" dirty="0"/>
+          </a:p>
+        </p:txBody>
+      </p:sp>
+    </p:spTree>
+    <p:extLst>
+      <p:ext uri="{BB962C8B-B14F-4D97-AF65-F5344CB8AC3E}">
+        <p14:creationId xmlns:p14="http://schemas.microsoft.com/office/powerpoint/2010/main" val="2387779875"/>
       </p:ext>
     </p:extLst>
   </p:cSld>
@@ -4666,7 +4995,12 @@
             <p:ph idx="1"/>
           </p:nvPr>
         </p:nvSpPr>
-        <p:spPr/>
+        <p:spPr>
+          <a:xfrm>
+            <a:off x="457200" y="971682"/>
+            <a:ext cx="8229600" cy="3771636"/>
+          </a:xfrm>
+        </p:spPr>
         <p:txBody>
           <a:bodyPr>
             <a:normAutofit fontScale="70000" lnSpcReduction="20000"/>
@@ -4705,6 +5039,1148 @@
     <p:extLst>
       <p:ext uri="{BB962C8B-B14F-4D97-AF65-F5344CB8AC3E}">
         <p14:creationId xmlns:p14="http://schemas.microsoft.com/office/powerpoint/2010/main" val="456999509"/>
+      </p:ext>
+    </p:extLst>
+  </p:cSld>
+  <p:clrMapOvr>
+    <a:masterClrMapping/>
+  </p:clrMapOvr>
+</p:sld>
+</file>
+
+<file path=ppt/slides/slide20.xml><?xml version="1.0" encoding="utf-8"?>
+<p:sld xmlns:a="http://schemas.openxmlformats.org/drawingml/2006/main" xmlns:r="http://schemas.openxmlformats.org/officeDocument/2006/relationships" xmlns:p="http://schemas.openxmlformats.org/presentationml/2006/main">
+  <p:cSld>
+    <p:spTree>
+      <p:nvGrpSpPr>
+        <p:cNvPr id="1" name=""/>
+        <p:cNvGrpSpPr/>
+        <p:nvPr/>
+      </p:nvGrpSpPr>
+      <p:grpSpPr>
+        <a:xfrm>
+          <a:off x="0" y="0"/>
+          <a:ext cx="0" cy="0"/>
+          <a:chOff x="0" y="0"/>
+          <a:chExt cx="0" cy="0"/>
+        </a:xfrm>
+      </p:grpSpPr>
+      <p:sp>
+        <p:nvSpPr>
+          <p:cNvPr id="2" name="Title 1"/>
+          <p:cNvSpPr>
+            <a:spLocks noGrp="1"/>
+          </p:cNvSpPr>
+          <p:nvPr>
+            <p:ph type="title"/>
+          </p:nvPr>
+        </p:nvSpPr>
+        <p:spPr/>
+        <p:txBody>
+          <a:bodyPr>
+            <a:normAutofit fontScale="90000"/>
+          </a:bodyPr>
+          <a:lstStyle/>
+          <a:p>
+            <a:br>
+              <a:rPr lang="en-US" sz="2200" dirty="0"/>
+            </a:br>
+            <a:br>
+              <a:rPr lang="en-US" sz="2200" dirty="0"/>
+            </a:br>
+            <a:r>
+              <a:rPr lang="en-US" sz="2200" dirty="0"/>
+              <a:t>Which degree majors have higher than average income growth</a:t>
+            </a:r>
+            <a:r>
+              <a:rPr lang="en-US" sz="2000" dirty="0"/>
+              <a:t>?</a:t>
+            </a:r>
+            <a:br>
+              <a:rPr lang="en-US" sz="2400" dirty="0"/>
+            </a:br>
+            <a:br>
+              <a:rPr lang="en-US" dirty="0"/>
+            </a:br>
+            <a:endParaRPr lang="en-US" dirty="0"/>
+          </a:p>
+        </p:txBody>
+      </p:sp>
+      <p:sp>
+        <p:nvSpPr>
+          <p:cNvPr id="3" name="Content Placeholder 2"/>
+          <p:cNvSpPr>
+            <a:spLocks noGrp="1"/>
+          </p:cNvSpPr>
+          <p:nvPr>
+            <p:ph idx="1"/>
+          </p:nvPr>
+        </p:nvSpPr>
+        <p:spPr>
+          <a:xfrm>
+            <a:off x="457200" y="971682"/>
+            <a:ext cx="8229600" cy="3771636"/>
+          </a:xfrm>
+        </p:spPr>
+        <p:txBody>
+          <a:bodyPr>
+            <a:normAutofit/>
+          </a:bodyPr>
+          <a:lstStyle/>
+          <a:p>
+            <a:r>
+              <a:rPr lang="en-US" dirty="0"/>
+              <a:t>What are the data outliers?</a:t>
+            </a:r>
+          </a:p>
+          <a:p>
+            <a:pPr marL="0" indent="0">
+              <a:buNone/>
+            </a:pPr>
+            <a:endParaRPr lang="en-US" dirty="0"/>
+          </a:p>
+          <a:p>
+            <a:pPr marL="0" indent="0">
+              <a:buNone/>
+            </a:pPr>
+            <a:endParaRPr lang="en-US" dirty="0"/>
+          </a:p>
+          <a:p>
+            <a:endParaRPr lang="en-US" dirty="0"/>
+          </a:p>
+        </p:txBody>
+      </p:sp>
+    </p:spTree>
+    <p:extLst>
+      <p:ext uri="{BB962C8B-B14F-4D97-AF65-F5344CB8AC3E}">
+        <p14:creationId xmlns:p14="http://schemas.microsoft.com/office/powerpoint/2010/main" val="47572653"/>
+      </p:ext>
+    </p:extLst>
+  </p:cSld>
+  <p:clrMapOvr>
+    <a:masterClrMapping/>
+  </p:clrMapOvr>
+</p:sld>
+</file>
+
+<file path=ppt/slides/slide21.xml><?xml version="1.0" encoding="utf-8"?>
+<p:sld xmlns:a="http://schemas.openxmlformats.org/drawingml/2006/main" xmlns:r="http://schemas.openxmlformats.org/officeDocument/2006/relationships" xmlns:p="http://schemas.openxmlformats.org/presentationml/2006/main">
+  <p:cSld>
+    <p:spTree>
+      <p:nvGrpSpPr>
+        <p:cNvPr id="1" name=""/>
+        <p:cNvGrpSpPr/>
+        <p:nvPr/>
+      </p:nvGrpSpPr>
+      <p:grpSpPr>
+        <a:xfrm>
+          <a:off x="0" y="0"/>
+          <a:ext cx="0" cy="0"/>
+          <a:chOff x="0" y="0"/>
+          <a:chExt cx="0" cy="0"/>
+        </a:xfrm>
+      </p:grpSpPr>
+      <p:sp>
+        <p:nvSpPr>
+          <p:cNvPr id="2" name="Title 1"/>
+          <p:cNvSpPr>
+            <a:spLocks noGrp="1"/>
+          </p:cNvSpPr>
+          <p:nvPr>
+            <p:ph type="title"/>
+          </p:nvPr>
+        </p:nvSpPr>
+        <p:spPr/>
+        <p:txBody>
+          <a:bodyPr>
+            <a:normAutofit fontScale="90000"/>
+          </a:bodyPr>
+          <a:lstStyle/>
+          <a:p>
+            <a:br>
+              <a:rPr lang="en-US" sz="2200" dirty="0"/>
+            </a:br>
+            <a:br>
+              <a:rPr lang="en-US" sz="2200" dirty="0"/>
+            </a:br>
+            <a:r>
+              <a:rPr lang="en-US" sz="2200" dirty="0"/>
+              <a:t>Which degree majors have higher than average income growth</a:t>
+            </a:r>
+            <a:r>
+              <a:rPr lang="en-US" sz="2000" dirty="0"/>
+              <a:t>?</a:t>
+            </a:r>
+            <a:br>
+              <a:rPr lang="en-US" sz="2400" dirty="0"/>
+            </a:br>
+            <a:br>
+              <a:rPr lang="en-US" dirty="0"/>
+            </a:br>
+            <a:endParaRPr lang="en-US" dirty="0"/>
+          </a:p>
+        </p:txBody>
+      </p:sp>
+      <p:sp>
+        <p:nvSpPr>
+          <p:cNvPr id="3" name="Content Placeholder 2"/>
+          <p:cNvSpPr>
+            <a:spLocks noGrp="1"/>
+          </p:cNvSpPr>
+          <p:nvPr>
+            <p:ph idx="1"/>
+          </p:nvPr>
+        </p:nvSpPr>
+        <p:spPr>
+          <a:xfrm>
+            <a:off x="482600" y="971682"/>
+            <a:ext cx="8229600" cy="3771636"/>
+          </a:xfrm>
+        </p:spPr>
+        <p:txBody>
+          <a:bodyPr>
+            <a:normAutofit/>
+          </a:bodyPr>
+          <a:lstStyle/>
+          <a:p>
+            <a:r>
+              <a:rPr lang="en-US" dirty="0"/>
+              <a:t>What major has the highest income growth?</a:t>
+            </a:r>
+          </a:p>
+          <a:p>
+            <a:pPr marL="0" indent="0">
+              <a:buNone/>
+            </a:pPr>
+            <a:endParaRPr lang="en-US" dirty="0"/>
+          </a:p>
+          <a:p>
+            <a:pPr marL="0" indent="0">
+              <a:buNone/>
+            </a:pPr>
+            <a:endParaRPr lang="en-US" dirty="0"/>
+          </a:p>
+          <a:p>
+            <a:endParaRPr lang="en-US" dirty="0"/>
+          </a:p>
+        </p:txBody>
+      </p:sp>
+    </p:spTree>
+    <p:extLst>
+      <p:ext uri="{BB962C8B-B14F-4D97-AF65-F5344CB8AC3E}">
+        <p14:creationId xmlns:p14="http://schemas.microsoft.com/office/powerpoint/2010/main" val="1521260146"/>
+      </p:ext>
+    </p:extLst>
+  </p:cSld>
+  <p:clrMapOvr>
+    <a:masterClrMapping/>
+  </p:clrMapOvr>
+</p:sld>
+</file>
+
+<file path=ppt/slides/slide22.xml><?xml version="1.0" encoding="utf-8"?>
+<p:sld xmlns:a="http://schemas.openxmlformats.org/drawingml/2006/main" xmlns:r="http://schemas.openxmlformats.org/officeDocument/2006/relationships" xmlns:p="http://schemas.openxmlformats.org/presentationml/2006/main">
+  <p:cSld>
+    <p:spTree>
+      <p:nvGrpSpPr>
+        <p:cNvPr id="1" name=""/>
+        <p:cNvGrpSpPr/>
+        <p:nvPr/>
+      </p:nvGrpSpPr>
+      <p:grpSpPr>
+        <a:xfrm>
+          <a:off x="0" y="0"/>
+          <a:ext cx="0" cy="0"/>
+          <a:chOff x="0" y="0"/>
+          <a:chExt cx="0" cy="0"/>
+        </a:xfrm>
+      </p:grpSpPr>
+      <p:sp>
+        <p:nvSpPr>
+          <p:cNvPr id="2" name="Title 1"/>
+          <p:cNvSpPr>
+            <a:spLocks noGrp="1"/>
+          </p:cNvSpPr>
+          <p:nvPr>
+            <p:ph type="title"/>
+          </p:nvPr>
+        </p:nvSpPr>
+        <p:spPr/>
+        <p:txBody>
+          <a:bodyPr>
+            <a:normAutofit fontScale="90000"/>
+          </a:bodyPr>
+          <a:lstStyle/>
+          <a:p>
+            <a:br>
+              <a:rPr lang="en-US" sz="2200" dirty="0"/>
+            </a:br>
+            <a:br>
+              <a:rPr lang="en-US" sz="2200" dirty="0"/>
+            </a:br>
+            <a:r>
+              <a:rPr lang="en-US" sz="2200" dirty="0"/>
+              <a:t>Which degree majors have higher than average income growth</a:t>
+            </a:r>
+            <a:r>
+              <a:rPr lang="en-US" sz="2000" dirty="0"/>
+              <a:t>?</a:t>
+            </a:r>
+            <a:br>
+              <a:rPr lang="en-US" sz="2400" dirty="0"/>
+            </a:br>
+            <a:br>
+              <a:rPr lang="en-US" dirty="0"/>
+            </a:br>
+            <a:endParaRPr lang="en-US" dirty="0"/>
+          </a:p>
+        </p:txBody>
+      </p:sp>
+      <p:sp>
+        <p:nvSpPr>
+          <p:cNvPr id="3" name="Content Placeholder 2"/>
+          <p:cNvSpPr>
+            <a:spLocks noGrp="1"/>
+          </p:cNvSpPr>
+          <p:nvPr>
+            <p:ph idx="1"/>
+          </p:nvPr>
+        </p:nvSpPr>
+        <p:spPr>
+          <a:xfrm>
+            <a:off x="457200" y="971682"/>
+            <a:ext cx="8229600" cy="3771636"/>
+          </a:xfrm>
+        </p:spPr>
+        <p:txBody>
+          <a:bodyPr>
+            <a:normAutofit/>
+          </a:bodyPr>
+          <a:lstStyle/>
+          <a:p>
+            <a:r>
+              <a:rPr lang="en-US" dirty="0"/>
+              <a:t>What major has the lowest income growth?</a:t>
+            </a:r>
+          </a:p>
+          <a:p>
+            <a:pPr marL="0" indent="0">
+              <a:buNone/>
+            </a:pPr>
+            <a:endParaRPr lang="en-US" dirty="0"/>
+          </a:p>
+          <a:p>
+            <a:pPr marL="0" indent="0">
+              <a:buNone/>
+            </a:pPr>
+            <a:endParaRPr lang="en-US" dirty="0"/>
+          </a:p>
+          <a:p>
+            <a:endParaRPr lang="en-US" dirty="0"/>
+          </a:p>
+        </p:txBody>
+      </p:sp>
+    </p:spTree>
+    <p:extLst>
+      <p:ext uri="{BB962C8B-B14F-4D97-AF65-F5344CB8AC3E}">
+        <p14:creationId xmlns:p14="http://schemas.microsoft.com/office/powerpoint/2010/main" val="196510788"/>
+      </p:ext>
+    </p:extLst>
+  </p:cSld>
+  <p:clrMapOvr>
+    <a:masterClrMapping/>
+  </p:clrMapOvr>
+</p:sld>
+</file>
+
+<file path=ppt/slides/slide23.xml><?xml version="1.0" encoding="utf-8"?>
+<p:sld xmlns:a="http://schemas.openxmlformats.org/drawingml/2006/main" xmlns:r="http://schemas.openxmlformats.org/officeDocument/2006/relationships" xmlns:p="http://schemas.openxmlformats.org/presentationml/2006/main">
+  <p:cSld>
+    <p:spTree>
+      <p:nvGrpSpPr>
+        <p:cNvPr id="1" name=""/>
+        <p:cNvGrpSpPr/>
+        <p:nvPr/>
+      </p:nvGrpSpPr>
+      <p:grpSpPr>
+        <a:xfrm>
+          <a:off x="0" y="0"/>
+          <a:ext cx="0" cy="0"/>
+          <a:chOff x="0" y="0"/>
+          <a:chExt cx="0" cy="0"/>
+        </a:xfrm>
+      </p:grpSpPr>
+      <p:sp>
+        <p:nvSpPr>
+          <p:cNvPr id="2" name="Title 1"/>
+          <p:cNvSpPr>
+            <a:spLocks noGrp="1"/>
+          </p:cNvSpPr>
+          <p:nvPr>
+            <p:ph type="title"/>
+          </p:nvPr>
+        </p:nvSpPr>
+        <p:spPr/>
+        <p:txBody>
+          <a:bodyPr/>
+          <a:lstStyle/>
+          <a:p>
+            <a:r>
+              <a:rPr lang="en-US" dirty="0"/>
+              <a:t>Data Cleanup &amp; Exploration</a:t>
+            </a:r>
+          </a:p>
+        </p:txBody>
+      </p:sp>
+      <p:sp>
+        <p:nvSpPr>
+          <p:cNvPr id="3" name="Content Placeholder 2"/>
+          <p:cNvSpPr>
+            <a:spLocks noGrp="1"/>
+          </p:cNvSpPr>
+          <p:nvPr>
+            <p:ph idx="1"/>
+          </p:nvPr>
+        </p:nvSpPr>
+        <p:spPr/>
+        <p:txBody>
+          <a:bodyPr>
+            <a:normAutofit fontScale="62500" lnSpcReduction="20000"/>
+          </a:bodyPr>
+          <a:lstStyle/>
+          <a:p>
+            <a:r>
+              <a:rPr lang="en-US" dirty="0"/>
+              <a:t>Use of </a:t>
+            </a:r>
+            <a:r>
+              <a:rPr lang="en-US" dirty="0" err="1"/>
+              <a:t>Jupyter</a:t>
+            </a:r>
+            <a:r>
+              <a:rPr lang="en-US" dirty="0"/>
+              <a:t> notebook</a:t>
+            </a:r>
+          </a:p>
+          <a:p>
+            <a:endParaRPr lang="en-US" dirty="0"/>
+          </a:p>
+          <a:p>
+            <a:r>
+              <a:rPr lang="en-US" dirty="0" err="1"/>
+              <a:t>Lorem</a:t>
+            </a:r>
+            <a:r>
+              <a:rPr lang="en-US" dirty="0"/>
+              <a:t> </a:t>
+            </a:r>
+            <a:r>
+              <a:rPr lang="en-US" dirty="0" err="1"/>
+              <a:t>Ipsum</a:t>
+            </a:r>
+            <a:r>
+              <a:rPr lang="en-US" dirty="0"/>
+              <a:t> has been the industry's standard dummy text ever since the 1500s, when an unknown printer took a galley of type and scrambled it to make a type specimen book. It has survived not only five centuries, but also the leap into electronic typesetting, remaining essentially unchanged. It was popularized in the 1960s with the </a:t>
+            </a:r>
+          </a:p>
+          <a:p>
+            <a:endParaRPr lang="en-US" dirty="0"/>
+          </a:p>
+          <a:p>
+            <a:r>
+              <a:rPr lang="en-US" dirty="0" err="1"/>
+              <a:t>Lorem</a:t>
+            </a:r>
+            <a:r>
+              <a:rPr lang="en-US" dirty="0"/>
+              <a:t> </a:t>
+            </a:r>
+            <a:r>
+              <a:rPr lang="en-US" dirty="0" err="1"/>
+              <a:t>Ipsum</a:t>
+            </a:r>
+            <a:r>
+              <a:rPr lang="en-US" dirty="0"/>
+              <a:t> has been the industry's standard dummy text ever since the 1500s, when an unknown printer took a galley of type and scrambled it to make a type specimen book. It has survived not only five centuries, but also the leap into electronic typesetting, remaining essentially unchanged</a:t>
+            </a:r>
+          </a:p>
+          <a:p>
+            <a:endParaRPr lang="en-US" dirty="0"/>
+          </a:p>
+        </p:txBody>
+      </p:sp>
+    </p:spTree>
+    <p:extLst>
+      <p:ext uri="{BB962C8B-B14F-4D97-AF65-F5344CB8AC3E}">
+        <p14:creationId xmlns:p14="http://schemas.microsoft.com/office/powerpoint/2010/main" val="1260330629"/>
+      </p:ext>
+    </p:extLst>
+  </p:cSld>
+  <p:clrMapOvr>
+    <a:masterClrMapping/>
+  </p:clrMapOvr>
+</p:sld>
+</file>
+
+<file path=ppt/slides/slide24.xml><?xml version="1.0" encoding="utf-8"?>
+<p:sld xmlns:a="http://schemas.openxmlformats.org/drawingml/2006/main" xmlns:r="http://schemas.openxmlformats.org/officeDocument/2006/relationships" xmlns:p="http://schemas.openxmlformats.org/presentationml/2006/main">
+  <p:cSld>
+    <p:spTree>
+      <p:nvGrpSpPr>
+        <p:cNvPr id="1" name=""/>
+        <p:cNvGrpSpPr/>
+        <p:nvPr/>
+      </p:nvGrpSpPr>
+      <p:grpSpPr>
+        <a:xfrm>
+          <a:off x="0" y="0"/>
+          <a:ext cx="0" cy="0"/>
+          <a:chOff x="0" y="0"/>
+          <a:chExt cx="0" cy="0"/>
+        </a:xfrm>
+      </p:grpSpPr>
+      <p:sp>
+        <p:nvSpPr>
+          <p:cNvPr id="2" name="Title 1"/>
+          <p:cNvSpPr>
+            <a:spLocks noGrp="1"/>
+          </p:cNvSpPr>
+          <p:nvPr>
+            <p:ph type="title"/>
+          </p:nvPr>
+        </p:nvSpPr>
+        <p:spPr/>
+        <p:txBody>
+          <a:bodyPr/>
+          <a:lstStyle/>
+          <a:p>
+            <a:r>
+              <a:rPr lang="en-US" dirty="0"/>
+              <a:t>Data Cleanup &amp; Exploration</a:t>
+            </a:r>
+          </a:p>
+        </p:txBody>
+      </p:sp>
+      <p:sp>
+        <p:nvSpPr>
+          <p:cNvPr id="3" name="Content Placeholder 2"/>
+          <p:cNvSpPr>
+            <a:spLocks noGrp="1"/>
+          </p:cNvSpPr>
+          <p:nvPr>
+            <p:ph idx="1"/>
+          </p:nvPr>
+        </p:nvSpPr>
+        <p:spPr/>
+        <p:txBody>
+          <a:bodyPr>
+            <a:normAutofit fontScale="62500" lnSpcReduction="20000"/>
+          </a:bodyPr>
+          <a:lstStyle/>
+          <a:p>
+            <a:r>
+              <a:rPr lang="en-US" dirty="0"/>
+              <a:t>Use of </a:t>
+            </a:r>
+            <a:r>
+              <a:rPr lang="en-US" dirty="0" err="1"/>
+              <a:t>Jupyter</a:t>
+            </a:r>
+            <a:r>
+              <a:rPr lang="en-US" dirty="0"/>
+              <a:t> notebook</a:t>
+            </a:r>
+          </a:p>
+          <a:p>
+            <a:endParaRPr lang="en-US" dirty="0"/>
+          </a:p>
+          <a:p>
+            <a:r>
+              <a:rPr lang="en-US" dirty="0" err="1"/>
+              <a:t>Lorem</a:t>
+            </a:r>
+            <a:r>
+              <a:rPr lang="en-US" dirty="0"/>
+              <a:t> </a:t>
+            </a:r>
+            <a:r>
+              <a:rPr lang="en-US" dirty="0" err="1"/>
+              <a:t>Ipsum</a:t>
+            </a:r>
+            <a:r>
+              <a:rPr lang="en-US" dirty="0"/>
+              <a:t> has been the industry's standard dummy text ever since the 1500s, when an unknown printer took a galley of type and scrambled it to make a type specimen book. It has survived not only five centuries, but also the leap into electronic typesetting, remaining essentially unchanged. It was popularized in the 1960s with the </a:t>
+            </a:r>
+          </a:p>
+          <a:p>
+            <a:endParaRPr lang="en-US" dirty="0"/>
+          </a:p>
+          <a:p>
+            <a:r>
+              <a:rPr lang="en-US" dirty="0" err="1"/>
+              <a:t>Lorem</a:t>
+            </a:r>
+            <a:r>
+              <a:rPr lang="en-US" dirty="0"/>
+              <a:t> </a:t>
+            </a:r>
+            <a:r>
+              <a:rPr lang="en-US" dirty="0" err="1"/>
+              <a:t>Ipsum</a:t>
+            </a:r>
+            <a:r>
+              <a:rPr lang="en-US" dirty="0"/>
+              <a:t> has been the industry's standard dummy text ever since the 1500s, when an unknown printer took a galley of type and scrambled it to make a type specimen book. It has survived not only five centuries, but also the leap into electronic typesetting, remaining essentially unchanged</a:t>
+            </a:r>
+          </a:p>
+          <a:p>
+            <a:endParaRPr lang="en-US" dirty="0"/>
+          </a:p>
+        </p:txBody>
+      </p:sp>
+    </p:spTree>
+    <p:extLst>
+      <p:ext uri="{BB962C8B-B14F-4D97-AF65-F5344CB8AC3E}">
+        <p14:creationId xmlns:p14="http://schemas.microsoft.com/office/powerpoint/2010/main" val="4224957905"/>
+      </p:ext>
+    </p:extLst>
+  </p:cSld>
+  <p:clrMapOvr>
+    <a:masterClrMapping/>
+  </p:clrMapOvr>
+</p:sld>
+</file>
+
+<file path=ppt/slides/slide25.xml><?xml version="1.0" encoding="utf-8"?>
+<p:sld xmlns:a="http://schemas.openxmlformats.org/drawingml/2006/main" xmlns:r="http://schemas.openxmlformats.org/officeDocument/2006/relationships" xmlns:p="http://schemas.openxmlformats.org/presentationml/2006/main">
+  <p:cSld>
+    <p:spTree>
+      <p:nvGrpSpPr>
+        <p:cNvPr id="1" name=""/>
+        <p:cNvGrpSpPr/>
+        <p:nvPr/>
+      </p:nvGrpSpPr>
+      <p:grpSpPr>
+        <a:xfrm>
+          <a:off x="0" y="0"/>
+          <a:ext cx="0" cy="0"/>
+          <a:chOff x="0" y="0"/>
+          <a:chExt cx="0" cy="0"/>
+        </a:xfrm>
+      </p:grpSpPr>
+      <p:sp>
+        <p:nvSpPr>
+          <p:cNvPr id="2" name="Title 1"/>
+          <p:cNvSpPr>
+            <a:spLocks noGrp="1"/>
+          </p:cNvSpPr>
+          <p:nvPr>
+            <p:ph type="title"/>
+          </p:nvPr>
+        </p:nvSpPr>
+        <p:spPr/>
+        <p:txBody>
+          <a:bodyPr/>
+          <a:lstStyle/>
+          <a:p>
+            <a:r>
+              <a:rPr lang="en-US" dirty="0"/>
+              <a:t>Data Cleanup &amp; Exploration</a:t>
+            </a:r>
+          </a:p>
+        </p:txBody>
+      </p:sp>
+      <p:sp>
+        <p:nvSpPr>
+          <p:cNvPr id="3" name="Content Placeholder 2"/>
+          <p:cNvSpPr>
+            <a:spLocks noGrp="1"/>
+          </p:cNvSpPr>
+          <p:nvPr>
+            <p:ph idx="1"/>
+          </p:nvPr>
+        </p:nvSpPr>
+        <p:spPr/>
+        <p:txBody>
+          <a:bodyPr>
+            <a:normAutofit fontScale="62500" lnSpcReduction="20000"/>
+          </a:bodyPr>
+          <a:lstStyle/>
+          <a:p>
+            <a:r>
+              <a:rPr lang="en-US" dirty="0"/>
+              <a:t>Use of </a:t>
+            </a:r>
+            <a:r>
+              <a:rPr lang="en-US" dirty="0" err="1"/>
+              <a:t>Jupyter</a:t>
+            </a:r>
+            <a:r>
+              <a:rPr lang="en-US" dirty="0"/>
+              <a:t> notebook</a:t>
+            </a:r>
+          </a:p>
+          <a:p>
+            <a:endParaRPr lang="en-US" dirty="0"/>
+          </a:p>
+          <a:p>
+            <a:r>
+              <a:rPr lang="en-US" dirty="0" err="1"/>
+              <a:t>Lorem</a:t>
+            </a:r>
+            <a:r>
+              <a:rPr lang="en-US" dirty="0"/>
+              <a:t> </a:t>
+            </a:r>
+            <a:r>
+              <a:rPr lang="en-US" dirty="0" err="1"/>
+              <a:t>Ipsum</a:t>
+            </a:r>
+            <a:r>
+              <a:rPr lang="en-US" dirty="0"/>
+              <a:t> has been the industry's standard dummy text ever since the 1500s, when an unknown printer took a galley of type and scrambled it to make a type specimen book. It has survived not only five centuries, but also the leap into electronic typesetting, remaining essentially unchanged. It was popularized in the 1960s with the </a:t>
+            </a:r>
+          </a:p>
+          <a:p>
+            <a:endParaRPr lang="en-US" dirty="0"/>
+          </a:p>
+          <a:p>
+            <a:r>
+              <a:rPr lang="en-US" dirty="0" err="1"/>
+              <a:t>Lorem</a:t>
+            </a:r>
+            <a:r>
+              <a:rPr lang="en-US" dirty="0"/>
+              <a:t> </a:t>
+            </a:r>
+            <a:r>
+              <a:rPr lang="en-US" dirty="0" err="1"/>
+              <a:t>Ipsum</a:t>
+            </a:r>
+            <a:r>
+              <a:rPr lang="en-US" dirty="0"/>
+              <a:t> has been the industry's standard dummy text ever since the 1500s, when an unknown printer took a galley of type and scrambled it to make a type specimen book. It has survived not only five centuries, but also the leap into electronic typesetting, remaining essentially unchanged</a:t>
+            </a:r>
+          </a:p>
+          <a:p>
+            <a:endParaRPr lang="en-US" dirty="0"/>
+          </a:p>
+        </p:txBody>
+      </p:sp>
+    </p:spTree>
+    <p:extLst>
+      <p:ext uri="{BB962C8B-B14F-4D97-AF65-F5344CB8AC3E}">
+        <p14:creationId xmlns:p14="http://schemas.microsoft.com/office/powerpoint/2010/main" val="534683410"/>
+      </p:ext>
+    </p:extLst>
+  </p:cSld>
+  <p:clrMapOvr>
+    <a:masterClrMapping/>
+  </p:clrMapOvr>
+</p:sld>
+</file>
+
+<file path=ppt/slides/slide26.xml><?xml version="1.0" encoding="utf-8"?>
+<p:sld xmlns:a="http://schemas.openxmlformats.org/drawingml/2006/main" xmlns:r="http://schemas.openxmlformats.org/officeDocument/2006/relationships" xmlns:p="http://schemas.openxmlformats.org/presentationml/2006/main">
+  <p:cSld>
+    <p:spTree>
+      <p:nvGrpSpPr>
+        <p:cNvPr id="1" name=""/>
+        <p:cNvGrpSpPr/>
+        <p:nvPr/>
+      </p:nvGrpSpPr>
+      <p:grpSpPr>
+        <a:xfrm>
+          <a:off x="0" y="0"/>
+          <a:ext cx="0" cy="0"/>
+          <a:chOff x="0" y="0"/>
+          <a:chExt cx="0" cy="0"/>
+        </a:xfrm>
+      </p:grpSpPr>
+      <p:sp>
+        <p:nvSpPr>
+          <p:cNvPr id="2" name="Title 1"/>
+          <p:cNvSpPr>
+            <a:spLocks noGrp="1"/>
+          </p:cNvSpPr>
+          <p:nvPr>
+            <p:ph type="title"/>
+          </p:nvPr>
+        </p:nvSpPr>
+        <p:spPr/>
+        <p:txBody>
+          <a:bodyPr/>
+          <a:lstStyle/>
+          <a:p>
+            <a:r>
+              <a:rPr lang="en-US" dirty="0"/>
+              <a:t>Discussion</a:t>
+            </a:r>
+          </a:p>
+        </p:txBody>
+      </p:sp>
+      <p:sp>
+        <p:nvSpPr>
+          <p:cNvPr id="3" name="Content Placeholder 2"/>
+          <p:cNvSpPr>
+            <a:spLocks noGrp="1"/>
+          </p:cNvSpPr>
+          <p:nvPr>
+            <p:ph idx="1"/>
+          </p:nvPr>
+        </p:nvSpPr>
+        <p:spPr/>
+        <p:txBody>
+          <a:bodyPr>
+            <a:normAutofit/>
+          </a:bodyPr>
+          <a:lstStyle/>
+          <a:p>
+            <a:r>
+              <a:rPr lang="en-US" dirty="0"/>
+              <a:t>Discussion…..</a:t>
+            </a:r>
+          </a:p>
+          <a:p>
+            <a:endParaRPr lang="en-US" dirty="0"/>
+          </a:p>
+          <a:p>
+            <a:r>
+              <a:rPr lang="en-US" dirty="0"/>
+              <a:t>ABC</a:t>
+            </a:r>
+          </a:p>
+          <a:p>
+            <a:endParaRPr lang="en-US" dirty="0"/>
+          </a:p>
+          <a:p>
+            <a:r>
+              <a:rPr lang="en-US" dirty="0"/>
+              <a:t>XYZ</a:t>
+            </a:r>
+          </a:p>
+          <a:p>
+            <a:endParaRPr lang="en-US" dirty="0"/>
+          </a:p>
+        </p:txBody>
+      </p:sp>
+    </p:spTree>
+    <p:extLst>
+      <p:ext uri="{BB962C8B-B14F-4D97-AF65-F5344CB8AC3E}">
+        <p14:creationId xmlns:p14="http://schemas.microsoft.com/office/powerpoint/2010/main" val="3452757044"/>
+      </p:ext>
+    </p:extLst>
+  </p:cSld>
+  <p:clrMapOvr>
+    <a:masterClrMapping/>
+  </p:clrMapOvr>
+</p:sld>
+</file>
+
+<file path=ppt/slides/slide27.xml><?xml version="1.0" encoding="utf-8"?>
+<p:sld xmlns:a="http://schemas.openxmlformats.org/drawingml/2006/main" xmlns:r="http://schemas.openxmlformats.org/officeDocument/2006/relationships" xmlns:p="http://schemas.openxmlformats.org/presentationml/2006/main">
+  <p:cSld>
+    <p:spTree>
+      <p:nvGrpSpPr>
+        <p:cNvPr id="1" name=""/>
+        <p:cNvGrpSpPr/>
+        <p:nvPr/>
+      </p:nvGrpSpPr>
+      <p:grpSpPr>
+        <a:xfrm>
+          <a:off x="0" y="0"/>
+          <a:ext cx="0" cy="0"/>
+          <a:chOff x="0" y="0"/>
+          <a:chExt cx="0" cy="0"/>
+        </a:xfrm>
+      </p:grpSpPr>
+      <p:sp>
+        <p:nvSpPr>
+          <p:cNvPr id="4" name="Rectangle 2"/>
+          <p:cNvSpPr txBox="1">
+            <a:spLocks noChangeArrowheads="1"/>
+          </p:cNvSpPr>
+          <p:nvPr/>
+        </p:nvSpPr>
+        <p:spPr>
+          <a:xfrm>
+            <a:off x="609600" y="2645834"/>
+            <a:ext cx="4114800" cy="1295136"/>
+          </a:xfrm>
+          <a:prstGeom prst="rect">
+            <a:avLst/>
+          </a:prstGeom>
+        </p:spPr>
+        <p:txBody>
+          <a:bodyPr vert="horz" lIns="91440" tIns="45720" rIns="91440" bIns="45720" rtlCol="0" anchor="ctr">
+            <a:noAutofit/>
+          </a:bodyPr>
+          <a:lstStyle/>
+          <a:p>
+            <a:pPr marL="0" marR="0" lvl="0" indent="0" defTabSz="914400" rtl="0" eaLnBrk="1" fontAlgn="auto" latinLnBrk="0" hangingPunct="1">
+              <a:lnSpc>
+                <a:spcPct val="100000"/>
+              </a:lnSpc>
+              <a:spcBef>
+                <a:spcPct val="0"/>
+              </a:spcBef>
+              <a:spcAft>
+                <a:spcPts val="0"/>
+              </a:spcAft>
+              <a:buClrTx/>
+              <a:buSzTx/>
+              <a:buFontTx/>
+              <a:buNone/>
+              <a:tabLst/>
+              <a:defRPr/>
+            </a:pPr>
+            <a:r>
+              <a:rPr lang="en-US" sz="3600" b="1" dirty="0">
+                <a:latin typeface="Arial" pitchFamily="34" charset="0"/>
+                <a:ea typeface="+mj-ea"/>
+                <a:cs typeface="Arial" pitchFamily="34" charset="0"/>
+              </a:rPr>
+              <a:t>A</a:t>
+            </a:r>
+            <a:r>
+              <a:rPr kumimoji="0" lang="en-US" sz="3600" b="1" i="0" u="none" strike="noStrike" kern="1200" cap="none" spc="0" normalizeH="0" baseline="0" noProof="0" dirty="0" err="1">
+                <a:ln>
+                  <a:noFill/>
+                </a:ln>
+                <a:effectLst/>
+                <a:uLnTx/>
+                <a:uFillTx/>
+                <a:latin typeface="Arial" pitchFamily="34" charset="0"/>
+                <a:ea typeface="+mj-ea"/>
+                <a:cs typeface="Arial" pitchFamily="34" charset="0"/>
+              </a:rPr>
+              <a:t>ny</a:t>
+            </a:r>
+            <a:r>
+              <a:rPr kumimoji="0" lang="en-US" sz="3600" b="1" i="0" u="none" strike="noStrike" kern="1200" cap="none" spc="0" normalizeH="0" baseline="0" noProof="0" dirty="0">
+                <a:ln>
+                  <a:noFill/>
+                </a:ln>
+                <a:effectLst/>
+                <a:uLnTx/>
+                <a:uFillTx/>
+                <a:latin typeface="Arial" pitchFamily="34" charset="0"/>
+                <a:ea typeface="+mj-ea"/>
+                <a:cs typeface="Arial" pitchFamily="34" charset="0"/>
+              </a:rPr>
+              <a:t> questions?</a:t>
+            </a:r>
+          </a:p>
+        </p:txBody>
+      </p:sp>
+      <p:sp>
+        <p:nvSpPr>
+          <p:cNvPr id="5" name="Rectangle 2"/>
+          <p:cNvSpPr txBox="1">
+            <a:spLocks noChangeArrowheads="1"/>
+          </p:cNvSpPr>
+          <p:nvPr/>
+        </p:nvSpPr>
+        <p:spPr>
+          <a:xfrm>
+            <a:off x="4800600" y="994833"/>
+            <a:ext cx="3124200" cy="4254500"/>
+          </a:xfrm>
+          <a:prstGeom prst="rect">
+            <a:avLst/>
+          </a:prstGeom>
+        </p:spPr>
+        <p:txBody>
+          <a:bodyPr vert="horz" lIns="91440" tIns="45720" rIns="91440" bIns="45720" rtlCol="0" anchor="ctr">
+            <a:noAutofit/>
+          </a:bodyPr>
+          <a:lstStyle/>
+          <a:p>
+            <a:pPr marL="0" marR="0" lvl="0" indent="0" defTabSz="914400" rtl="0" eaLnBrk="1" fontAlgn="auto" latinLnBrk="0" hangingPunct="1">
+              <a:lnSpc>
+                <a:spcPct val="100000"/>
+              </a:lnSpc>
+              <a:spcBef>
+                <a:spcPct val="0"/>
+              </a:spcBef>
+              <a:spcAft>
+                <a:spcPts val="0"/>
+              </a:spcAft>
+              <a:buClrTx/>
+              <a:buSzTx/>
+              <a:buFontTx/>
+              <a:buNone/>
+              <a:tabLst/>
+              <a:defRPr/>
+            </a:pPr>
+            <a:r>
+              <a:rPr lang="en-US" sz="33300" b="1" dirty="0">
+                <a:solidFill>
+                  <a:schemeClr val="accent1"/>
+                </a:solidFill>
+                <a:latin typeface="Century Gothic" pitchFamily="34" charset="0"/>
+                <a:ea typeface="+mj-ea"/>
+                <a:cs typeface="Arial" pitchFamily="34" charset="0"/>
+              </a:rPr>
+              <a:t>?</a:t>
+            </a:r>
+            <a:endParaRPr kumimoji="0" lang="en-US" sz="33300" b="1" i="0" u="none" strike="noStrike" kern="1200" cap="none" spc="0" normalizeH="0" baseline="0" noProof="0" dirty="0">
+              <a:ln>
+                <a:noFill/>
+              </a:ln>
+              <a:solidFill>
+                <a:schemeClr val="accent1"/>
+              </a:solidFill>
+              <a:effectLst/>
+              <a:uLnTx/>
+              <a:uFillTx/>
+              <a:latin typeface="Century Gothic" pitchFamily="34" charset="0"/>
+              <a:ea typeface="+mj-ea"/>
+              <a:cs typeface="Arial" pitchFamily="34" charset="0"/>
+            </a:endParaRPr>
+          </a:p>
+        </p:txBody>
+      </p:sp>
+      <p:sp>
+        <p:nvSpPr>
+          <p:cNvPr id="6" name="Rectangle 2"/>
+          <p:cNvSpPr txBox="1">
+            <a:spLocks noChangeArrowheads="1"/>
+          </p:cNvSpPr>
+          <p:nvPr/>
+        </p:nvSpPr>
+        <p:spPr>
+          <a:xfrm>
+            <a:off x="7086600" y="2866760"/>
+            <a:ext cx="1676400" cy="1874573"/>
+          </a:xfrm>
+          <a:prstGeom prst="rect">
+            <a:avLst/>
+          </a:prstGeom>
+        </p:spPr>
+        <p:txBody>
+          <a:bodyPr vert="horz" lIns="91440" tIns="45720" rIns="91440" bIns="45720" rtlCol="0" anchor="ctr">
+            <a:noAutofit/>
+          </a:bodyPr>
+          <a:lstStyle/>
+          <a:p>
+            <a:pPr marL="0" marR="0" lvl="0" indent="0" defTabSz="914400" rtl="0" eaLnBrk="1" fontAlgn="auto" latinLnBrk="0" hangingPunct="1">
+              <a:lnSpc>
+                <a:spcPct val="100000"/>
+              </a:lnSpc>
+              <a:spcBef>
+                <a:spcPct val="0"/>
+              </a:spcBef>
+              <a:spcAft>
+                <a:spcPts val="0"/>
+              </a:spcAft>
+              <a:buClrTx/>
+              <a:buSzTx/>
+              <a:buFontTx/>
+              <a:buNone/>
+              <a:tabLst/>
+              <a:defRPr/>
+            </a:pPr>
+            <a:r>
+              <a:rPr lang="en-US" sz="16700" b="1" dirty="0">
+                <a:solidFill>
+                  <a:schemeClr val="accent2"/>
+                </a:solidFill>
+                <a:latin typeface="Century Gothic" pitchFamily="34" charset="0"/>
+                <a:ea typeface="+mj-ea"/>
+                <a:cs typeface="Arial" pitchFamily="34" charset="0"/>
+              </a:rPr>
+              <a:t>?</a:t>
+            </a:r>
+            <a:endParaRPr kumimoji="0" lang="en-US" sz="16700" b="1" i="0" u="none" strike="noStrike" kern="1200" cap="none" spc="0" normalizeH="0" baseline="0" noProof="0" dirty="0">
+              <a:ln>
+                <a:noFill/>
+              </a:ln>
+              <a:solidFill>
+                <a:schemeClr val="accent2"/>
+              </a:solidFill>
+              <a:effectLst/>
+              <a:uLnTx/>
+              <a:uFillTx/>
+              <a:latin typeface="Century Gothic" pitchFamily="34" charset="0"/>
+              <a:ea typeface="+mj-ea"/>
+              <a:cs typeface="Arial" pitchFamily="34" charset="0"/>
+            </a:endParaRPr>
+          </a:p>
+        </p:txBody>
+      </p:sp>
+      <p:sp>
+        <p:nvSpPr>
+          <p:cNvPr id="8" name="Rectangle 2"/>
+          <p:cNvSpPr txBox="1">
+            <a:spLocks noChangeArrowheads="1"/>
+          </p:cNvSpPr>
+          <p:nvPr/>
+        </p:nvSpPr>
+        <p:spPr>
+          <a:xfrm>
+            <a:off x="4572000" y="3153833"/>
+            <a:ext cx="838200" cy="1079500"/>
+          </a:xfrm>
+          <a:prstGeom prst="rect">
+            <a:avLst/>
+          </a:prstGeom>
+        </p:spPr>
+        <p:txBody>
+          <a:bodyPr vert="horz" lIns="91440" tIns="45720" rIns="91440" bIns="45720" rtlCol="0" anchor="ctr">
+            <a:noAutofit/>
+          </a:bodyPr>
+          <a:lstStyle/>
+          <a:p>
+            <a:pPr marL="0" marR="0" lvl="0" indent="0" defTabSz="914400" rtl="0" eaLnBrk="1" fontAlgn="auto" latinLnBrk="0" hangingPunct="1">
+              <a:lnSpc>
+                <a:spcPct val="100000"/>
+              </a:lnSpc>
+              <a:spcBef>
+                <a:spcPct val="0"/>
+              </a:spcBef>
+              <a:spcAft>
+                <a:spcPts val="0"/>
+              </a:spcAft>
+              <a:buClrTx/>
+              <a:buSzTx/>
+              <a:buFontTx/>
+              <a:buNone/>
+              <a:tabLst/>
+              <a:defRPr/>
+            </a:pPr>
+            <a:r>
+              <a:rPr lang="en-US" sz="9600" b="1" dirty="0">
+                <a:solidFill>
+                  <a:schemeClr val="accent3"/>
+                </a:solidFill>
+                <a:latin typeface="Century Gothic" pitchFamily="34" charset="0"/>
+                <a:ea typeface="+mj-ea"/>
+                <a:cs typeface="Arial" pitchFamily="34" charset="0"/>
+              </a:rPr>
+              <a:t>?</a:t>
+            </a:r>
+            <a:endParaRPr kumimoji="0" lang="en-US" sz="9600" b="1" i="0" u="none" strike="noStrike" kern="1200" cap="none" spc="0" normalizeH="0" baseline="0" noProof="0" dirty="0">
+              <a:ln>
+                <a:noFill/>
+              </a:ln>
+              <a:solidFill>
+                <a:schemeClr val="accent3"/>
+              </a:solidFill>
+              <a:effectLst/>
+              <a:uLnTx/>
+              <a:uFillTx/>
+              <a:latin typeface="Century Gothic" pitchFamily="34" charset="0"/>
+              <a:ea typeface="+mj-ea"/>
+              <a:cs typeface="Arial" pitchFamily="34" charset="0"/>
+            </a:endParaRPr>
+          </a:p>
+        </p:txBody>
+      </p:sp>
+    </p:spTree>
+    <p:extLst>
+      <p:ext uri="{BB962C8B-B14F-4D97-AF65-F5344CB8AC3E}">
+        <p14:creationId xmlns:p14="http://schemas.microsoft.com/office/powerpoint/2010/main" val="367278429"/>
       </p:ext>
     </p:extLst>
   </p:cSld>
@@ -4763,7 +6239,12 @@
             <p:ph idx="1"/>
           </p:nvPr>
         </p:nvSpPr>
-        <p:spPr/>
+        <p:spPr>
+          <a:xfrm>
+            <a:off x="457200" y="971682"/>
+            <a:ext cx="8229600" cy="3771636"/>
+          </a:xfrm>
+        </p:spPr>
         <p:txBody>
           <a:bodyPr>
             <a:normAutofit/>
@@ -4915,7 +6396,12 @@
             <p:ph idx="1"/>
           </p:nvPr>
         </p:nvSpPr>
-        <p:spPr/>
+        <p:spPr>
+          <a:xfrm>
+            <a:off x="457200" y="971682"/>
+            <a:ext cx="8229600" cy="3771636"/>
+          </a:xfrm>
+        </p:spPr>
         <p:txBody>
           <a:bodyPr>
             <a:normAutofit fontScale="92500" lnSpcReduction="10000"/>
@@ -5021,7 +6507,12 @@
             <p:ph idx="1"/>
           </p:nvPr>
         </p:nvSpPr>
-        <p:spPr/>
+        <p:spPr>
+          <a:xfrm>
+            <a:off x="457200" y="971682"/>
+            <a:ext cx="8229600" cy="3771636"/>
+          </a:xfrm>
+        </p:spPr>
         <p:txBody>
           <a:bodyPr>
             <a:normAutofit/>
@@ -5157,7 +6648,12 @@
             <p:ph idx="1"/>
           </p:nvPr>
         </p:nvSpPr>
-        <p:spPr/>
+        <p:spPr>
+          <a:xfrm>
+            <a:off x="457200" y="971682"/>
+            <a:ext cx="8229600" cy="3771636"/>
+          </a:xfrm>
+        </p:spPr>
         <p:txBody>
           <a:bodyPr>
             <a:normAutofit lnSpcReduction="10000"/>
@@ -5320,7 +6816,12 @@
             <p:ph idx="1"/>
           </p:nvPr>
         </p:nvSpPr>
-        <p:spPr/>
+        <p:spPr>
+          <a:xfrm>
+            <a:off x="457200" y="971682"/>
+            <a:ext cx="8229600" cy="3771636"/>
+          </a:xfrm>
+        </p:spPr>
         <p:txBody>
           <a:bodyPr>
             <a:normAutofit/>
@@ -5449,23 +6950,180 @@
             <p:ph idx="1"/>
           </p:nvPr>
         </p:nvSpPr>
-        <p:spPr/>
+        <p:spPr>
+          <a:xfrm>
+            <a:off x="457200" y="1007533"/>
+            <a:ext cx="8229600" cy="4686300"/>
+          </a:xfrm>
+        </p:spPr>
         <p:txBody>
           <a:bodyPr>
-            <a:normAutofit/>
+            <a:normAutofit fontScale="55000" lnSpcReduction="20000"/>
           </a:bodyPr>
           <a:lstStyle/>
           <a:p>
             <a:r>
               <a:rPr lang="en-US" dirty="0"/>
-              <a:t>What is  the average starting salary of Ivy League Schools?</a:t>
-            </a:r>
-          </a:p>
-          <a:p>
-            <a:pPr marL="0" indent="0">
-              <a:buNone/>
-            </a:pPr>
-            <a:endParaRPr lang="en-US" dirty="0"/>
+              <a:t>What schools have two or more classifications?</a:t>
+            </a:r>
+          </a:p>
+          <a:p>
+            <a:pPr lvl="2"/>
+            <a:r>
+              <a:rPr lang="en-US" dirty="0"/>
+              <a:t>Party and State: 19</a:t>
+            </a:r>
+          </a:p>
+          <a:p>
+            <a:pPr lvl="3"/>
+            <a:r>
+              <a:rPr lang="en-US" b="1" dirty="0"/>
+              <a:t>Louisiana State University (LSU)                     </a:t>
+            </a:r>
+          </a:p>
+          <a:p>
+            <a:pPr lvl="3"/>
+            <a:r>
+              <a:rPr lang="en-US" b="1" dirty="0"/>
+              <a:t>University of Maryland, College Park                 </a:t>
+            </a:r>
+          </a:p>
+          <a:p>
+            <a:pPr lvl="3"/>
+            <a:r>
+              <a:rPr lang="en-US" b="1" dirty="0"/>
+              <a:t>University of Georgia (UGA)                          </a:t>
+            </a:r>
+          </a:p>
+          <a:p>
+            <a:pPr lvl="3"/>
+            <a:r>
+              <a:rPr lang="en-US" b="1" dirty="0"/>
+              <a:t>University of Alabama, Tuscaloosa                    </a:t>
+            </a:r>
+          </a:p>
+          <a:p>
+            <a:pPr lvl="3"/>
+            <a:r>
+              <a:rPr lang="en-US" b="1" dirty="0"/>
+              <a:t>University of New Hampshire (UNH)                    </a:t>
+            </a:r>
+          </a:p>
+          <a:p>
+            <a:pPr lvl="3"/>
+            <a:r>
+              <a:rPr lang="en-US" b="1" dirty="0"/>
+              <a:t>University of Florida (UF)                           </a:t>
+            </a:r>
+          </a:p>
+          <a:p>
+            <a:pPr lvl="3"/>
+            <a:r>
+              <a:rPr lang="en-US" b="1" dirty="0"/>
+              <a:t>University of California, Santa Barbara (UCSB)       </a:t>
+            </a:r>
+          </a:p>
+          <a:p>
+            <a:pPr lvl="3"/>
+            <a:r>
+              <a:rPr lang="en-US" b="1" dirty="0"/>
+              <a:t>Pennsylvania State University (PSU)                  </a:t>
+            </a:r>
+          </a:p>
+          <a:p>
+            <a:pPr lvl="3"/>
+            <a:r>
+              <a:rPr lang="en-US" b="1" dirty="0"/>
+              <a:t>West Virginia University (WVU)                       </a:t>
+            </a:r>
+          </a:p>
+          <a:p>
+            <a:pPr lvl="3"/>
+            <a:r>
+              <a:rPr lang="en-US" b="1" dirty="0"/>
+              <a:t>Indiana University (IU), Bloomington                 </a:t>
+            </a:r>
+          </a:p>
+          <a:p>
+            <a:pPr lvl="3"/>
+            <a:r>
+              <a:rPr lang="en-US" b="1" dirty="0"/>
+              <a:t>University of Tennessee                              </a:t>
+            </a:r>
+          </a:p>
+          <a:p>
+            <a:pPr lvl="3"/>
+            <a:r>
+              <a:rPr lang="en-US" b="1" dirty="0"/>
+              <a:t>Ohio University                                      </a:t>
+            </a:r>
+          </a:p>
+          <a:p>
+            <a:pPr lvl="3"/>
+            <a:r>
+              <a:rPr lang="en-US" b="1" dirty="0"/>
+              <a:t>Arizona State University (ASU)                       </a:t>
+            </a:r>
+          </a:p>
+          <a:p>
+            <a:pPr lvl="3"/>
+            <a:r>
+              <a:rPr lang="en-US" b="1" dirty="0"/>
+              <a:t>University of Illinois at Urbana-Champaign (UIUC)    </a:t>
+            </a:r>
+          </a:p>
+          <a:p>
+            <a:pPr lvl="3"/>
+            <a:r>
+              <a:rPr lang="en-US" b="1" dirty="0"/>
+              <a:t>University of Texas (UT) - Austin                    </a:t>
+            </a:r>
+          </a:p>
+          <a:p>
+            <a:pPr lvl="3"/>
+            <a:r>
+              <a:rPr lang="en-US" b="1" dirty="0"/>
+              <a:t>State University of New York (SUNY) at Albany        </a:t>
+            </a:r>
+          </a:p>
+          <a:p>
+            <a:pPr lvl="3"/>
+            <a:r>
+              <a:rPr lang="en-US" b="1" dirty="0"/>
+              <a:t>Florida State University (FSU)                       </a:t>
+            </a:r>
+          </a:p>
+          <a:p>
+            <a:pPr lvl="3"/>
+            <a:r>
+              <a:rPr lang="en-US" b="1" dirty="0"/>
+              <a:t>University of Iowa (UI)                              </a:t>
+            </a:r>
+          </a:p>
+          <a:p>
+            <a:pPr lvl="3"/>
+            <a:r>
+              <a:rPr lang="en-US" b="1" dirty="0"/>
+              <a:t>University of Mississippi </a:t>
+            </a:r>
+          </a:p>
+          <a:p>
+            <a:pPr lvl="3"/>
+            <a:endParaRPr lang="en-US" dirty="0"/>
+          </a:p>
+          <a:p>
+            <a:pPr lvl="2"/>
+            <a:r>
+              <a:rPr lang="en-US" dirty="0"/>
+              <a:t>Party and Liberal Arts: 1</a:t>
+            </a:r>
+          </a:p>
+          <a:p>
+            <a:pPr lvl="3"/>
+            <a:r>
+              <a:rPr lang="en-US" b="1" dirty="0"/>
+              <a:t>Randolph-Macon College</a:t>
+            </a:r>
           </a:p>
           <a:p>
             <a:endParaRPr lang="en-US" dirty="0"/>
@@ -5475,7 +7133,7 @@
     </p:spTree>
     <p:extLst>
       <p:ext uri="{BB962C8B-B14F-4D97-AF65-F5344CB8AC3E}">
-        <p14:creationId xmlns:p14="http://schemas.microsoft.com/office/powerpoint/2010/main" val="2196650321"/>
+        <p14:creationId xmlns:p14="http://schemas.microsoft.com/office/powerpoint/2010/main" val="285409627"/>
       </p:ext>
     </p:extLst>
   </p:cSld>
@@ -5543,17 +7201,92 @@
             <p:ph idx="1"/>
           </p:nvPr>
         </p:nvSpPr>
-        <p:spPr/>
+        <p:spPr>
+          <a:xfrm>
+            <a:off x="431800" y="971682"/>
+            <a:ext cx="8229600" cy="3771636"/>
+          </a:xfrm>
+        </p:spPr>
         <p:txBody>
           <a:bodyPr>
-            <a:normAutofit/>
+            <a:normAutofit fontScale="92500" lnSpcReduction="10000"/>
           </a:bodyPr>
           <a:lstStyle/>
           <a:p>
             <a:r>
               <a:rPr lang="en-US" dirty="0"/>
-              <a:t>What is  the average starting salary of Party Schools?  </a:t>
-            </a:r>
+              <a:t>What is  the average starting salary of Ivy League Schools? (All eight Ivy Schools represented)</a:t>
+            </a:r>
+          </a:p>
+          <a:p>
+            <a:pPr lvl="3"/>
+            <a:r>
+              <a:rPr lang="en-US" b="1" dirty="0"/>
+              <a:t>Brown University: $56,200</a:t>
+            </a:r>
+          </a:p>
+          <a:p>
+            <a:pPr lvl="3"/>
+            <a:r>
+              <a:rPr lang="en-US" b="1" dirty="0"/>
+              <a:t>Dartmouth College: $58,000</a:t>
+            </a:r>
+          </a:p>
+          <a:p>
+            <a:pPr lvl="3"/>
+            <a:r>
+              <a:rPr lang="en-US" b="1" dirty="0"/>
+              <a:t>Yale University: $59,100</a:t>
+            </a:r>
+          </a:p>
+          <a:p>
+            <a:pPr lvl="3"/>
+            <a:r>
+              <a:rPr lang="en-US" b="1" dirty="0"/>
+              <a:t>Columbia University: $59,400 </a:t>
+            </a:r>
+          </a:p>
+          <a:p>
+            <a:pPr lvl="3"/>
+            <a:r>
+              <a:rPr lang="en-US" b="1" dirty="0"/>
+              <a:t>Cornell University: $60,300</a:t>
+            </a:r>
+          </a:p>
+          <a:p>
+            <a:pPr lvl="3"/>
+            <a:r>
+              <a:rPr lang="en-US" b="1" dirty="0"/>
+              <a:t>University of Pennsylvania: $60,900</a:t>
+            </a:r>
+          </a:p>
+          <a:p>
+            <a:pPr lvl="3"/>
+            <a:r>
+              <a:rPr lang="en-US" b="1" dirty="0"/>
+              <a:t>Harvard University: $63,400</a:t>
+            </a:r>
+          </a:p>
+          <a:p>
+            <a:pPr lvl="3"/>
+            <a:r>
+              <a:rPr lang="en-US" b="1" dirty="0"/>
+              <a:t>Princeton University: $66,500</a:t>
+            </a:r>
+          </a:p>
+          <a:p>
+            <a:pPr lvl="3"/>
+            <a:endParaRPr lang="en-US" dirty="0"/>
+          </a:p>
+          <a:p>
+            <a:pPr lvl="1"/>
+            <a:endParaRPr lang="en-US" dirty="0"/>
+          </a:p>
+          <a:p>
+            <a:pPr marL="0" indent="0">
+              <a:buNone/>
+            </a:pPr>
+            <a:endParaRPr lang="en-US" dirty="0"/>
           </a:p>
           <a:p>
             <a:endParaRPr lang="en-US" dirty="0"/>
@@ -5563,7 +7296,7 @@
     </p:spTree>
     <p:extLst>
       <p:ext uri="{BB962C8B-B14F-4D97-AF65-F5344CB8AC3E}">
-        <p14:creationId xmlns:p14="http://schemas.microsoft.com/office/powerpoint/2010/main" val="509745890"/>
+        <p14:creationId xmlns:p14="http://schemas.microsoft.com/office/powerpoint/2010/main" val="2196650321"/>
       </p:ext>
     </p:extLst>
   </p:cSld>
